--- a/Presentation.pptx
+++ b/Presentation.pptx
@@ -5,13 +5,16 @@
     <p:sldMasterId id="2147483648" r:id="rId1"/>
   </p:sldMasterIdLst>
   <p:notesMasterIdLst>
-    <p:notesMasterId r:id="rId6"/>
+    <p:notesMasterId r:id="rId9"/>
   </p:notesMasterIdLst>
   <p:sldIdLst>
     <p:sldId id="256" r:id="rId2"/>
     <p:sldId id="257" r:id="rId3"/>
     <p:sldId id="258" r:id="rId4"/>
     <p:sldId id="259" r:id="rId5"/>
+    <p:sldId id="260" r:id="rId6"/>
+    <p:sldId id="261" r:id="rId7"/>
+    <p:sldId id="262" r:id="rId8"/>
   </p:sldIdLst>
   <p:sldSz cx="12192000" cy="6858000"/>
   <p:notesSz cx="6858000" cy="9144000"/>
@@ -110,6 +113,11 @@
       </a:defRPr>
     </a:lvl9pPr>
   </p:defaultTextStyle>
+  <p:extLst>
+    <p:ext uri="{EFAFB233-063F-42B5-8137-9DF3F51BA10A}">
+      <p15:sldGuideLst xmlns:p15="http://schemas.microsoft.com/office/powerpoint/2012/main"/>
+    </p:ext>
+  </p:extLst>
 </p:presentation>
 </file>
 
@@ -3682,7 +3690,11 @@
           <a:p>
             <a:r>
               <a:rPr lang="en-US" dirty="0" smtClean="0"/>
-              <a:t>Question(s) to Answer</a:t>
+              <a:t>Question </a:t>
+            </a:r>
+            <a:r>
+              <a:rPr lang="en-US" dirty="0" smtClean="0"/>
+              <a:t>to Answer</a:t>
             </a:r>
           </a:p>
           <a:p>
@@ -4010,6 +4022,1700 @@
     <p:extLst>
       <p:ext uri="{BB962C8B-B14F-4D97-AF65-F5344CB8AC3E}">
         <p14:creationId xmlns:p14="http://schemas.microsoft.com/office/powerpoint/2010/main" val="3152670691"/>
+      </p:ext>
+    </p:extLst>
+  </p:cSld>
+  <p:clrMapOvr>
+    <a:masterClrMapping/>
+  </p:clrMapOvr>
+</p:sld>
+</file>
+
+<file path=ppt/slides/slide5.xml><?xml version="1.0" encoding="utf-8"?>
+<p:sld xmlns:a="http://schemas.openxmlformats.org/drawingml/2006/main" xmlns:r="http://schemas.openxmlformats.org/officeDocument/2006/relationships" xmlns:p="http://schemas.openxmlformats.org/presentationml/2006/main">
+  <p:cSld>
+    <p:spTree>
+      <p:nvGrpSpPr>
+        <p:cNvPr id="1" name=""/>
+        <p:cNvGrpSpPr/>
+        <p:nvPr/>
+      </p:nvGrpSpPr>
+      <p:grpSpPr>
+        <a:xfrm>
+          <a:off x="0" y="0"/>
+          <a:ext cx="0" cy="0"/>
+          <a:chOff x="0" y="0"/>
+          <a:chExt cx="0" cy="0"/>
+        </a:xfrm>
+      </p:grpSpPr>
+      <p:sp>
+        <p:nvSpPr>
+          <p:cNvPr id="2" name="Title 1"/>
+          <p:cNvSpPr>
+            <a:spLocks noGrp="1"/>
+          </p:cNvSpPr>
+          <p:nvPr>
+            <p:ph type="title"/>
+          </p:nvPr>
+        </p:nvSpPr>
+        <p:spPr/>
+        <p:txBody>
+          <a:bodyPr/>
+          <a:lstStyle/>
+          <a:p>
+            <a:r>
+              <a:rPr lang="en-US" dirty="0" smtClean="0"/>
+              <a:t>Question </a:t>
+            </a:r>
+            <a:r>
+              <a:rPr lang="en-US" dirty="0"/>
+              <a:t>to Answer</a:t>
+            </a:r>
+            <a:endParaRPr lang="da-DK" dirty="0"/>
+          </a:p>
+        </p:txBody>
+      </p:sp>
+      <p:sp>
+        <p:nvSpPr>
+          <p:cNvPr id="3" name="Content Placeholder 2"/>
+          <p:cNvSpPr>
+            <a:spLocks noGrp="1"/>
+          </p:cNvSpPr>
+          <p:nvPr>
+            <p:ph sz="half" idx="1"/>
+          </p:nvPr>
+        </p:nvSpPr>
+        <p:spPr>
+          <a:xfrm>
+            <a:off x="838200" y="1825625"/>
+            <a:ext cx="10515600" cy="4351338"/>
+          </a:xfrm>
+        </p:spPr>
+        <p:txBody>
+          <a:bodyPr/>
+          <a:lstStyle/>
+          <a:p>
+            <a:pPr marL="0" indent="0">
+              <a:buNone/>
+            </a:pPr>
+            <a:r>
+              <a:rPr lang="en-US" dirty="0" smtClean="0"/>
+              <a:t>Out from my exploration of the dataset in the described graphs, I could not see any correlation between diet and income, by looking at the mean income of each diet type.</a:t>
+            </a:r>
+          </a:p>
+          <a:p>
+            <a:pPr marL="0" indent="0">
+              <a:buNone/>
+            </a:pPr>
+            <a:endParaRPr lang="en-US" dirty="0" smtClean="0"/>
+          </a:p>
+          <a:p>
+            <a:pPr marL="0" indent="0">
+              <a:buNone/>
+            </a:pPr>
+            <a:r>
+              <a:rPr lang="en-US" dirty="0" smtClean="0"/>
+              <a:t>By looking at the different body types, I thought it would be a better idea to use this.</a:t>
+            </a:r>
+          </a:p>
+          <a:p>
+            <a:pPr marL="0" indent="0">
+              <a:buNone/>
+            </a:pPr>
+            <a:endParaRPr lang="en-US" dirty="0" smtClean="0"/>
+          </a:p>
+          <a:p>
+            <a:r>
+              <a:rPr lang="en-US" dirty="0" smtClean="0"/>
+              <a:t>Can I predict a user’s diet by looking at body type and maybe other </a:t>
+            </a:r>
+            <a:r>
+              <a:rPr lang="en-US" dirty="0" err="1" smtClean="0"/>
+              <a:t>informations</a:t>
+            </a:r>
+            <a:r>
+              <a:rPr lang="en-US" dirty="0" smtClean="0"/>
+              <a:t> from their profile?</a:t>
+            </a:r>
+            <a:endParaRPr lang="en-US" dirty="0"/>
+          </a:p>
+        </p:txBody>
+      </p:sp>
+    </p:spTree>
+    <p:extLst>
+      <p:ext uri="{BB962C8B-B14F-4D97-AF65-F5344CB8AC3E}">
+        <p14:creationId xmlns:p14="http://schemas.microsoft.com/office/powerpoint/2010/main" val="882623569"/>
+      </p:ext>
+    </p:extLst>
+  </p:cSld>
+  <p:clrMapOvr>
+    <a:masterClrMapping/>
+  </p:clrMapOvr>
+</p:sld>
+</file>
+
+<file path=ppt/slides/slide6.xml><?xml version="1.0" encoding="utf-8"?>
+<p:sld xmlns:a="http://schemas.openxmlformats.org/drawingml/2006/main" xmlns:r="http://schemas.openxmlformats.org/officeDocument/2006/relationships" xmlns:p="http://schemas.openxmlformats.org/presentationml/2006/main">
+  <p:cSld>
+    <p:spTree>
+      <p:nvGrpSpPr>
+        <p:cNvPr id="1" name=""/>
+        <p:cNvGrpSpPr/>
+        <p:nvPr/>
+      </p:nvGrpSpPr>
+      <p:grpSpPr>
+        <a:xfrm>
+          <a:off x="0" y="0"/>
+          <a:ext cx="0" cy="0"/>
+          <a:chOff x="0" y="0"/>
+          <a:chExt cx="0" cy="0"/>
+        </a:xfrm>
+      </p:grpSpPr>
+      <p:sp>
+        <p:nvSpPr>
+          <p:cNvPr id="2" name="Title 1"/>
+          <p:cNvSpPr>
+            <a:spLocks noGrp="1"/>
+          </p:cNvSpPr>
+          <p:nvPr>
+            <p:ph type="title"/>
+          </p:nvPr>
+        </p:nvSpPr>
+        <p:spPr/>
+        <p:txBody>
+          <a:bodyPr/>
+          <a:lstStyle/>
+          <a:p>
+            <a:r>
+              <a:rPr lang="en-US" dirty="0" smtClean="0"/>
+              <a:t>Augmenting the Dataset</a:t>
+            </a:r>
+            <a:br>
+              <a:rPr lang="en-US" dirty="0" smtClean="0"/>
+            </a:br>
+            <a:r>
+              <a:rPr lang="en-US" sz="2000" dirty="0" smtClean="0"/>
+              <a:t>Religion mapping</a:t>
+            </a:r>
+            <a:endParaRPr lang="da-DK" dirty="0"/>
+          </a:p>
+        </p:txBody>
+      </p:sp>
+      <p:graphicFrame>
+        <p:nvGraphicFramePr>
+          <p:cNvPr id="5" name="Content Placeholder 4"/>
+          <p:cNvGraphicFramePr>
+            <a:graphicFrameLocks noGrp="1"/>
+          </p:cNvGraphicFramePr>
+          <p:nvPr>
+            <p:ph sz="half" idx="1"/>
+            <p:extLst>
+              <p:ext uri="{D42A27DB-BD31-4B8C-83A1-F6EECF244321}">
+                <p14:modId xmlns:p14="http://schemas.microsoft.com/office/powerpoint/2010/main" val="200577286"/>
+              </p:ext>
+            </p:extLst>
+          </p:nvPr>
+        </p:nvGraphicFramePr>
+        <p:xfrm>
+          <a:off x="838200" y="1690688"/>
+          <a:ext cx="10515600" cy="2225040"/>
+        </p:xfrm>
+        <a:graphic>
+          <a:graphicData uri="http://schemas.openxmlformats.org/drawingml/2006/table">
+            <a:tbl>
+              <a:tblPr firstRow="1" bandRow="1">
+                <a:tableStyleId>{5C22544A-7EE6-4342-B048-85BDC9FD1C3A}</a:tableStyleId>
+              </a:tblPr>
+              <a:tblGrid>
+                <a:gridCol w="3505200">
+                  <a:extLst>
+                    <a:ext uri="{9D8B030D-6E8A-4147-A177-3AD203B41FA5}">
+                      <a16:colId xmlns:a16="http://schemas.microsoft.com/office/drawing/2014/main" val="2072441976"/>
+                    </a:ext>
+                  </a:extLst>
+                </a:gridCol>
+                <a:gridCol w="3505200">
+                  <a:extLst>
+                    <a:ext uri="{9D8B030D-6E8A-4147-A177-3AD203B41FA5}">
+                      <a16:colId xmlns:a16="http://schemas.microsoft.com/office/drawing/2014/main" val="4092204706"/>
+                    </a:ext>
+                  </a:extLst>
+                </a:gridCol>
+                <a:gridCol w="3505200">
+                  <a:extLst>
+                    <a:ext uri="{9D8B030D-6E8A-4147-A177-3AD203B41FA5}">
+                      <a16:colId xmlns:a16="http://schemas.microsoft.com/office/drawing/2014/main" val="3140183693"/>
+                    </a:ext>
+                  </a:extLst>
+                </a:gridCol>
+              </a:tblGrid>
+              <a:tr h="370840">
+                <a:tc>
+                  <a:txBody>
+                    <a:bodyPr/>
+                    <a:lstStyle/>
+                    <a:p>
+                      <a:r>
+                        <a:rPr lang="da-DK" dirty="0" smtClean="0"/>
+                        <a:t>User</a:t>
+                      </a:r>
+                      <a:endParaRPr lang="da-DK" dirty="0"/>
+                    </a:p>
+                  </a:txBody>
+                  <a:tcPr/>
+                </a:tc>
+                <a:tc>
+                  <a:txBody>
+                    <a:bodyPr/>
+                    <a:lstStyle/>
+                    <a:p>
+                      <a:r>
+                        <a:rPr lang="da-DK" dirty="0" smtClean="0"/>
+                        <a:t>Religion </a:t>
+                      </a:r>
+                      <a:r>
+                        <a:rPr lang="da-DK" dirty="0" err="1" smtClean="0"/>
+                        <a:t>containing</a:t>
+                      </a:r>
+                      <a:endParaRPr lang="da-DK" dirty="0"/>
+                    </a:p>
+                  </a:txBody>
+                  <a:tcPr/>
+                </a:tc>
+                <a:tc>
+                  <a:txBody>
+                    <a:bodyPr/>
+                    <a:lstStyle/>
+                    <a:p>
+                      <a:r>
+                        <a:rPr lang="da-DK" dirty="0" smtClean="0"/>
+                        <a:t>Religion</a:t>
+                      </a:r>
+                      <a:r>
+                        <a:rPr lang="da-DK" baseline="0" dirty="0" smtClean="0"/>
+                        <a:t> </a:t>
+                      </a:r>
+                      <a:r>
+                        <a:rPr lang="da-DK" baseline="0" dirty="0" err="1" smtClean="0"/>
+                        <a:t>seriousness</a:t>
+                      </a:r>
+                      <a:endParaRPr lang="da-DK" dirty="0"/>
+                    </a:p>
+                  </a:txBody>
+                  <a:tcPr/>
+                </a:tc>
+                <a:extLst>
+                  <a:ext uri="{0D108BD9-81ED-4DB2-BD59-A6C34878D82A}">
+                    <a16:rowId xmlns:a16="http://schemas.microsoft.com/office/drawing/2014/main" val="2320993942"/>
+                  </a:ext>
+                </a:extLst>
+              </a:tr>
+              <a:tr h="370840">
+                <a:tc>
+                  <a:txBody>
+                    <a:bodyPr/>
+                    <a:lstStyle/>
+                    <a:p>
+                      <a:r>
+                        <a:rPr lang="da-DK" b="1" dirty="0" smtClean="0"/>
+                        <a:t>0</a:t>
+                      </a:r>
+                      <a:endParaRPr lang="da-DK" b="1" dirty="0"/>
+                    </a:p>
+                  </a:txBody>
+                  <a:tcPr/>
+                </a:tc>
+                <a:tc>
+                  <a:txBody>
+                    <a:bodyPr/>
+                    <a:lstStyle/>
+                    <a:p>
+                      <a:r>
+                        <a:rPr lang="da-DK" dirty="0" err="1" smtClean="0"/>
+                        <a:t>Laughing</a:t>
+                      </a:r>
+                      <a:r>
+                        <a:rPr lang="da-DK" dirty="0" smtClean="0"/>
+                        <a:t> </a:t>
+                      </a:r>
+                      <a:r>
+                        <a:rPr lang="da-DK" dirty="0" err="1" smtClean="0"/>
+                        <a:t>about</a:t>
+                      </a:r>
+                      <a:r>
+                        <a:rPr lang="da-DK" dirty="0" smtClean="0"/>
+                        <a:t> it</a:t>
+                      </a:r>
+                      <a:endParaRPr lang="da-DK" dirty="0"/>
+                    </a:p>
+                  </a:txBody>
+                  <a:tcPr/>
+                </a:tc>
+                <a:tc>
+                  <a:txBody>
+                    <a:bodyPr/>
+                    <a:lstStyle/>
+                    <a:p>
+                      <a:r>
+                        <a:rPr lang="da-DK" dirty="0" smtClean="0"/>
+                        <a:t>0</a:t>
+                      </a:r>
+                      <a:endParaRPr lang="da-DK" dirty="0"/>
+                    </a:p>
+                  </a:txBody>
+                  <a:tcPr/>
+                </a:tc>
+                <a:extLst>
+                  <a:ext uri="{0D108BD9-81ED-4DB2-BD59-A6C34878D82A}">
+                    <a16:rowId xmlns:a16="http://schemas.microsoft.com/office/drawing/2014/main" val="3967622235"/>
+                  </a:ext>
+                </a:extLst>
+              </a:tr>
+              <a:tr h="370840">
+                <a:tc>
+                  <a:txBody>
+                    <a:bodyPr/>
+                    <a:lstStyle/>
+                    <a:p>
+                      <a:r>
+                        <a:rPr lang="da-DK" b="1" dirty="0" smtClean="0"/>
+                        <a:t>1</a:t>
+                      </a:r>
+                      <a:endParaRPr lang="da-DK" b="1" dirty="0"/>
+                    </a:p>
+                  </a:txBody>
+                  <a:tcPr/>
+                </a:tc>
+                <a:tc>
+                  <a:txBody>
+                    <a:bodyPr/>
+                    <a:lstStyle/>
+                    <a:p>
+                      <a:r>
+                        <a:rPr lang="da-DK" dirty="0" smtClean="0"/>
+                        <a:t>Not </a:t>
+                      </a:r>
+                      <a:r>
+                        <a:rPr lang="da-DK" dirty="0" err="1" smtClean="0"/>
+                        <a:t>too</a:t>
+                      </a:r>
+                      <a:r>
+                        <a:rPr lang="da-DK" dirty="0" smtClean="0"/>
+                        <a:t> </a:t>
+                      </a:r>
+                      <a:r>
+                        <a:rPr lang="da-DK" dirty="0" err="1" smtClean="0"/>
+                        <a:t>serious</a:t>
+                      </a:r>
+                      <a:r>
+                        <a:rPr lang="da-DK" dirty="0" smtClean="0"/>
+                        <a:t> </a:t>
+                      </a:r>
+                      <a:r>
+                        <a:rPr lang="da-DK" dirty="0" err="1" smtClean="0"/>
+                        <a:t>about</a:t>
+                      </a:r>
+                      <a:r>
+                        <a:rPr lang="da-DK" dirty="0" smtClean="0"/>
+                        <a:t> it</a:t>
+                      </a:r>
+                      <a:endParaRPr lang="da-DK" dirty="0"/>
+                    </a:p>
+                  </a:txBody>
+                  <a:tcPr/>
+                </a:tc>
+                <a:tc>
+                  <a:txBody>
+                    <a:bodyPr/>
+                    <a:lstStyle/>
+                    <a:p>
+                      <a:r>
+                        <a:rPr lang="da-DK" dirty="0" smtClean="0"/>
+                        <a:t>1</a:t>
+                      </a:r>
+                      <a:endParaRPr lang="da-DK" dirty="0"/>
+                    </a:p>
+                  </a:txBody>
+                  <a:tcPr/>
+                </a:tc>
+                <a:extLst>
+                  <a:ext uri="{0D108BD9-81ED-4DB2-BD59-A6C34878D82A}">
+                    <a16:rowId xmlns:a16="http://schemas.microsoft.com/office/drawing/2014/main" val="3997787615"/>
+                  </a:ext>
+                </a:extLst>
+              </a:tr>
+              <a:tr h="370840">
+                <a:tc>
+                  <a:txBody>
+                    <a:bodyPr/>
+                    <a:lstStyle/>
+                    <a:p>
+                      <a:r>
+                        <a:rPr lang="da-DK" b="1" dirty="0" smtClean="0"/>
+                        <a:t>2</a:t>
+                      </a:r>
+                      <a:endParaRPr lang="da-DK" b="1" dirty="0"/>
+                    </a:p>
+                  </a:txBody>
+                  <a:tcPr/>
+                </a:tc>
+                <a:tc>
+                  <a:txBody>
+                    <a:bodyPr/>
+                    <a:lstStyle/>
+                    <a:p>
+                      <a:r>
+                        <a:rPr lang="da-DK" dirty="0" smtClean="0"/>
+                        <a:t>No</a:t>
+                      </a:r>
+                      <a:r>
+                        <a:rPr lang="da-DK" baseline="0" dirty="0" smtClean="0"/>
+                        <a:t> statement of </a:t>
+                      </a:r>
+                      <a:r>
+                        <a:rPr lang="da-DK" baseline="0" dirty="0" err="1" smtClean="0"/>
+                        <a:t>seriousness</a:t>
+                      </a:r>
+                      <a:endParaRPr lang="da-DK" dirty="0"/>
+                    </a:p>
+                  </a:txBody>
+                  <a:tcPr/>
+                </a:tc>
+                <a:tc>
+                  <a:txBody>
+                    <a:bodyPr/>
+                    <a:lstStyle/>
+                    <a:p>
+                      <a:r>
+                        <a:rPr lang="da-DK" dirty="0" smtClean="0"/>
+                        <a:t>2</a:t>
+                      </a:r>
+                      <a:endParaRPr lang="da-DK" dirty="0"/>
+                    </a:p>
+                  </a:txBody>
+                  <a:tcPr/>
+                </a:tc>
+                <a:extLst>
+                  <a:ext uri="{0D108BD9-81ED-4DB2-BD59-A6C34878D82A}">
+                    <a16:rowId xmlns:a16="http://schemas.microsoft.com/office/drawing/2014/main" val="2407477255"/>
+                  </a:ext>
+                </a:extLst>
+              </a:tr>
+              <a:tr h="370840">
+                <a:tc>
+                  <a:txBody>
+                    <a:bodyPr/>
+                    <a:lstStyle/>
+                    <a:p>
+                      <a:r>
+                        <a:rPr lang="da-DK" b="1" dirty="0" smtClean="0"/>
+                        <a:t>3</a:t>
+                      </a:r>
+                      <a:endParaRPr lang="da-DK" b="1" dirty="0"/>
+                    </a:p>
+                  </a:txBody>
+                  <a:tcPr/>
+                </a:tc>
+                <a:tc>
+                  <a:txBody>
+                    <a:bodyPr/>
+                    <a:lstStyle/>
+                    <a:p>
+                      <a:r>
+                        <a:rPr lang="da-DK" dirty="0" err="1" smtClean="0"/>
+                        <a:t>Somewhat</a:t>
+                      </a:r>
+                      <a:r>
+                        <a:rPr lang="da-DK" baseline="0" dirty="0" smtClean="0"/>
+                        <a:t> </a:t>
+                      </a:r>
+                      <a:r>
+                        <a:rPr lang="da-DK" baseline="0" dirty="0" err="1" smtClean="0"/>
+                        <a:t>serious</a:t>
+                      </a:r>
+                      <a:r>
+                        <a:rPr lang="da-DK" baseline="0" dirty="0" smtClean="0"/>
+                        <a:t> </a:t>
+                      </a:r>
+                      <a:r>
+                        <a:rPr lang="da-DK" baseline="0" dirty="0" err="1" smtClean="0"/>
+                        <a:t>about</a:t>
+                      </a:r>
+                      <a:r>
+                        <a:rPr lang="da-DK" baseline="0" dirty="0" smtClean="0"/>
+                        <a:t> it</a:t>
+                      </a:r>
+                      <a:endParaRPr lang="da-DK" dirty="0"/>
+                    </a:p>
+                  </a:txBody>
+                  <a:tcPr/>
+                </a:tc>
+                <a:tc>
+                  <a:txBody>
+                    <a:bodyPr/>
+                    <a:lstStyle/>
+                    <a:p>
+                      <a:r>
+                        <a:rPr lang="da-DK" dirty="0" smtClean="0"/>
+                        <a:t>3</a:t>
+                      </a:r>
+                      <a:endParaRPr lang="da-DK" dirty="0"/>
+                    </a:p>
+                  </a:txBody>
+                  <a:tcPr/>
+                </a:tc>
+                <a:extLst>
+                  <a:ext uri="{0D108BD9-81ED-4DB2-BD59-A6C34878D82A}">
+                    <a16:rowId xmlns:a16="http://schemas.microsoft.com/office/drawing/2014/main" val="432184142"/>
+                  </a:ext>
+                </a:extLst>
+              </a:tr>
+              <a:tr h="370840">
+                <a:tc>
+                  <a:txBody>
+                    <a:bodyPr/>
+                    <a:lstStyle/>
+                    <a:p>
+                      <a:r>
+                        <a:rPr lang="da-DK" b="1" dirty="0" smtClean="0"/>
+                        <a:t>4</a:t>
+                      </a:r>
+                      <a:endParaRPr lang="da-DK" b="1" dirty="0"/>
+                    </a:p>
+                  </a:txBody>
+                  <a:tcPr/>
+                </a:tc>
+                <a:tc>
+                  <a:txBody>
+                    <a:bodyPr/>
+                    <a:lstStyle/>
+                    <a:p>
+                      <a:r>
+                        <a:rPr lang="da-DK" dirty="0" err="1" smtClean="0"/>
+                        <a:t>Very</a:t>
+                      </a:r>
+                      <a:r>
+                        <a:rPr lang="da-DK" baseline="0" dirty="0" smtClean="0"/>
+                        <a:t> </a:t>
+                      </a:r>
+                      <a:r>
+                        <a:rPr lang="da-DK" baseline="0" dirty="0" err="1" smtClean="0"/>
+                        <a:t>serious</a:t>
+                      </a:r>
+                      <a:r>
+                        <a:rPr lang="da-DK" baseline="0" dirty="0" smtClean="0"/>
+                        <a:t> </a:t>
+                      </a:r>
+                      <a:r>
+                        <a:rPr lang="da-DK" baseline="0" dirty="0" err="1" smtClean="0"/>
+                        <a:t>about</a:t>
+                      </a:r>
+                      <a:r>
+                        <a:rPr lang="da-DK" baseline="0" dirty="0" smtClean="0"/>
+                        <a:t> it</a:t>
+                      </a:r>
+                      <a:endParaRPr lang="da-DK" dirty="0"/>
+                    </a:p>
+                  </a:txBody>
+                  <a:tcPr/>
+                </a:tc>
+                <a:tc>
+                  <a:txBody>
+                    <a:bodyPr/>
+                    <a:lstStyle/>
+                    <a:p>
+                      <a:r>
+                        <a:rPr lang="da-DK" dirty="0" smtClean="0"/>
+                        <a:t>4</a:t>
+                      </a:r>
+                      <a:endParaRPr lang="da-DK" dirty="0"/>
+                    </a:p>
+                  </a:txBody>
+                  <a:tcPr/>
+                </a:tc>
+                <a:extLst>
+                  <a:ext uri="{0D108BD9-81ED-4DB2-BD59-A6C34878D82A}">
+                    <a16:rowId xmlns:a16="http://schemas.microsoft.com/office/drawing/2014/main" val="432828981"/>
+                  </a:ext>
+                </a:extLst>
+              </a:tr>
+            </a:tbl>
+          </a:graphicData>
+        </a:graphic>
+      </p:graphicFrame>
+      <p:sp>
+        <p:nvSpPr>
+          <p:cNvPr id="6" name="TextBox 5"/>
+          <p:cNvSpPr txBox="1"/>
+          <p:nvPr/>
+        </p:nvSpPr>
+        <p:spPr>
+          <a:xfrm>
+            <a:off x="838200" y="4484913"/>
+            <a:ext cx="10515600" cy="1200329"/>
+          </a:xfrm>
+          <a:prstGeom prst="rect">
+            <a:avLst/>
+          </a:prstGeom>
+          <a:noFill/>
+        </p:spPr>
+        <p:txBody>
+          <a:bodyPr wrap="square" rtlCol="0">
+            <a:spAutoFit/>
+          </a:bodyPr>
+          <a:lstStyle/>
+          <a:p>
+            <a:r>
+              <a:rPr lang="da-DK" dirty="0" smtClean="0"/>
+              <a:t>I </a:t>
+            </a:r>
+            <a:r>
+              <a:rPr lang="da-DK" dirty="0" err="1" smtClean="0"/>
+              <a:t>thought</a:t>
+            </a:r>
+            <a:r>
+              <a:rPr lang="da-DK" dirty="0" smtClean="0"/>
+              <a:t> that religion </a:t>
+            </a:r>
+            <a:r>
+              <a:rPr lang="da-DK" dirty="0" err="1" smtClean="0"/>
+              <a:t>seriousness</a:t>
+            </a:r>
+            <a:r>
+              <a:rPr lang="da-DK" dirty="0" smtClean="0"/>
+              <a:t> </a:t>
+            </a:r>
+            <a:r>
+              <a:rPr lang="da-DK" dirty="0" err="1" smtClean="0"/>
+              <a:t>can</a:t>
+            </a:r>
+            <a:r>
+              <a:rPr lang="da-DK" dirty="0" smtClean="0"/>
+              <a:t> </a:t>
+            </a:r>
+            <a:r>
+              <a:rPr lang="da-DK" dirty="0" err="1" smtClean="0"/>
+              <a:t>be</a:t>
+            </a:r>
+            <a:r>
+              <a:rPr lang="da-DK" dirty="0" smtClean="0"/>
+              <a:t> </a:t>
+            </a:r>
+            <a:r>
+              <a:rPr lang="da-DK" dirty="0" err="1" smtClean="0"/>
+              <a:t>used</a:t>
+            </a:r>
+            <a:r>
+              <a:rPr lang="da-DK" dirty="0" smtClean="0"/>
+              <a:t> for </a:t>
+            </a:r>
+            <a:r>
+              <a:rPr lang="da-DK" dirty="0" err="1" smtClean="0"/>
+              <a:t>predicting</a:t>
+            </a:r>
+            <a:r>
+              <a:rPr lang="da-DK" dirty="0" smtClean="0"/>
+              <a:t> the diet of the </a:t>
+            </a:r>
+            <a:r>
+              <a:rPr lang="da-DK" dirty="0" err="1" smtClean="0"/>
+              <a:t>user</a:t>
+            </a:r>
+            <a:r>
+              <a:rPr lang="da-DK" dirty="0" smtClean="0"/>
+              <a:t>. To </a:t>
+            </a:r>
+            <a:r>
+              <a:rPr lang="da-DK" dirty="0" err="1" smtClean="0"/>
+              <a:t>get</a:t>
+            </a:r>
+            <a:r>
+              <a:rPr lang="da-DK" dirty="0" smtClean="0"/>
+              <a:t> a </a:t>
+            </a:r>
+            <a:r>
+              <a:rPr lang="da-DK" dirty="0" err="1" smtClean="0"/>
+              <a:t>view</a:t>
+            </a:r>
+            <a:r>
+              <a:rPr lang="da-DK" dirty="0" smtClean="0"/>
+              <a:t> of </a:t>
+            </a:r>
+            <a:r>
+              <a:rPr lang="da-DK" dirty="0" err="1" smtClean="0"/>
+              <a:t>how</a:t>
+            </a:r>
+            <a:r>
+              <a:rPr lang="da-DK" dirty="0" smtClean="0"/>
+              <a:t> </a:t>
+            </a:r>
+            <a:r>
+              <a:rPr lang="da-DK" dirty="0" err="1" smtClean="0"/>
+              <a:t>serious</a:t>
+            </a:r>
+            <a:r>
+              <a:rPr lang="da-DK" dirty="0" smtClean="0"/>
+              <a:t> the </a:t>
+            </a:r>
+            <a:r>
+              <a:rPr lang="da-DK" dirty="0" err="1" smtClean="0"/>
+              <a:t>user</a:t>
+            </a:r>
+            <a:r>
+              <a:rPr lang="da-DK" dirty="0" smtClean="0"/>
+              <a:t> is, I </a:t>
+            </a:r>
+            <a:r>
+              <a:rPr lang="da-DK" dirty="0" err="1" smtClean="0"/>
+              <a:t>categorized</a:t>
+            </a:r>
+            <a:r>
+              <a:rPr lang="da-DK" dirty="0" smtClean="0"/>
+              <a:t> it by </a:t>
+            </a:r>
+            <a:r>
+              <a:rPr lang="da-DK" dirty="0" err="1" smtClean="0"/>
+              <a:t>looking</a:t>
+            </a:r>
+            <a:r>
+              <a:rPr lang="da-DK" dirty="0" smtClean="0"/>
+              <a:t> at </a:t>
+            </a:r>
+            <a:r>
+              <a:rPr lang="da-DK" dirty="0" err="1" smtClean="0"/>
+              <a:t>what</a:t>
+            </a:r>
+            <a:r>
+              <a:rPr lang="da-DK" dirty="0" smtClean="0"/>
+              <a:t> the religion </a:t>
+            </a:r>
+            <a:r>
+              <a:rPr lang="da-DK" dirty="0" err="1" smtClean="0"/>
+              <a:t>cells</a:t>
+            </a:r>
+            <a:r>
+              <a:rPr lang="da-DK" dirty="0"/>
+              <a:t> </a:t>
+            </a:r>
+            <a:r>
+              <a:rPr lang="da-DK" dirty="0" err="1" smtClean="0"/>
+              <a:t>contained</a:t>
+            </a:r>
+            <a:r>
+              <a:rPr lang="da-DK" dirty="0" smtClean="0"/>
+              <a:t>. I </a:t>
+            </a:r>
+            <a:r>
+              <a:rPr lang="da-DK" dirty="0" err="1" smtClean="0"/>
+              <a:t>used</a:t>
+            </a:r>
+            <a:r>
+              <a:rPr lang="da-DK" dirty="0" smtClean="0"/>
+              <a:t> </a:t>
+            </a:r>
+            <a:r>
+              <a:rPr lang="da-DK" dirty="0" err="1" smtClean="0"/>
+              <a:t>this</a:t>
+            </a:r>
+            <a:r>
+              <a:rPr lang="da-DK" dirty="0" smtClean="0"/>
+              <a:t> to </a:t>
+            </a:r>
+            <a:r>
+              <a:rPr lang="da-DK" dirty="0" err="1" smtClean="0"/>
+              <a:t>create</a:t>
+            </a:r>
+            <a:r>
+              <a:rPr lang="da-DK" dirty="0" smtClean="0"/>
+              <a:t> the ”Religion </a:t>
+            </a:r>
+            <a:r>
+              <a:rPr lang="da-DK" dirty="0" err="1" smtClean="0"/>
+              <a:t>seriousness</a:t>
+            </a:r>
+            <a:r>
+              <a:rPr lang="da-DK" dirty="0" smtClean="0"/>
+              <a:t>” column, as </a:t>
+            </a:r>
+            <a:r>
+              <a:rPr lang="da-DK" dirty="0" err="1" smtClean="0"/>
+              <a:t>shown</a:t>
+            </a:r>
+            <a:r>
+              <a:rPr lang="da-DK" dirty="0" smtClean="0"/>
+              <a:t> </a:t>
+            </a:r>
+            <a:r>
+              <a:rPr lang="da-DK" dirty="0" err="1" smtClean="0"/>
+              <a:t>above</a:t>
+            </a:r>
+            <a:r>
+              <a:rPr lang="da-DK" dirty="0"/>
+              <a:t> </a:t>
+            </a:r>
+            <a:r>
+              <a:rPr lang="da-DK" dirty="0" smtClean="0"/>
+              <a:t>a </a:t>
+            </a:r>
+            <a:r>
+              <a:rPr lang="da-DK" dirty="0" err="1" smtClean="0"/>
+              <a:t>user</a:t>
+            </a:r>
+            <a:r>
+              <a:rPr lang="da-DK" dirty="0" smtClean="0"/>
+              <a:t> is not </a:t>
+            </a:r>
+            <a:r>
+              <a:rPr lang="da-DK" dirty="0" err="1" smtClean="0"/>
+              <a:t>categorised</a:t>
+            </a:r>
+            <a:r>
+              <a:rPr lang="da-DK" dirty="0" smtClean="0"/>
+              <a:t> </a:t>
+            </a:r>
+            <a:r>
+              <a:rPr lang="da-DK" dirty="0" err="1" smtClean="0"/>
+              <a:t>into</a:t>
+            </a:r>
+            <a:r>
+              <a:rPr lang="da-DK" dirty="0" smtClean="0"/>
+              <a:t> 5 </a:t>
+            </a:r>
+            <a:r>
+              <a:rPr lang="da-DK" dirty="0" err="1" smtClean="0"/>
+              <a:t>different</a:t>
+            </a:r>
+            <a:r>
+              <a:rPr lang="da-DK" dirty="0" smtClean="0"/>
+              <a:t> </a:t>
+            </a:r>
+            <a:r>
+              <a:rPr lang="da-DK" dirty="0" err="1" smtClean="0"/>
+              <a:t>categories</a:t>
+            </a:r>
+            <a:r>
+              <a:rPr lang="da-DK" dirty="0" smtClean="0"/>
+              <a:t>, </a:t>
+            </a:r>
+            <a:r>
+              <a:rPr lang="da-DK" dirty="0" err="1" smtClean="0"/>
+              <a:t>describing</a:t>
+            </a:r>
+            <a:r>
+              <a:rPr lang="da-DK" dirty="0" smtClean="0"/>
+              <a:t> </a:t>
+            </a:r>
+            <a:r>
+              <a:rPr lang="da-DK" dirty="0" err="1" smtClean="0"/>
+              <a:t>how</a:t>
+            </a:r>
+            <a:r>
+              <a:rPr lang="da-DK" dirty="0" smtClean="0"/>
+              <a:t> </a:t>
+            </a:r>
+            <a:r>
+              <a:rPr lang="da-DK" dirty="0" err="1" smtClean="0"/>
+              <a:t>serious</a:t>
+            </a:r>
+            <a:r>
+              <a:rPr lang="da-DK" dirty="0" smtClean="0"/>
+              <a:t> </a:t>
+            </a:r>
+            <a:r>
+              <a:rPr lang="da-DK" dirty="0" err="1" smtClean="0"/>
+              <a:t>they</a:t>
+            </a:r>
+            <a:r>
+              <a:rPr lang="da-DK" dirty="0" smtClean="0"/>
+              <a:t> </a:t>
+            </a:r>
+            <a:r>
+              <a:rPr lang="da-DK" dirty="0" err="1" smtClean="0"/>
+              <a:t>are</a:t>
+            </a:r>
+            <a:r>
+              <a:rPr lang="da-DK" dirty="0" smtClean="0"/>
+              <a:t> </a:t>
+            </a:r>
+            <a:r>
+              <a:rPr lang="da-DK" dirty="0" err="1" smtClean="0"/>
+              <a:t>about</a:t>
+            </a:r>
+            <a:r>
+              <a:rPr lang="da-DK" dirty="0" smtClean="0"/>
+              <a:t> religion.</a:t>
+            </a:r>
+            <a:endParaRPr lang="da-DK" dirty="0"/>
+          </a:p>
+        </p:txBody>
+      </p:sp>
+    </p:spTree>
+    <p:extLst>
+      <p:ext uri="{BB962C8B-B14F-4D97-AF65-F5344CB8AC3E}">
+        <p14:creationId xmlns:p14="http://schemas.microsoft.com/office/powerpoint/2010/main" val="2486359446"/>
+      </p:ext>
+    </p:extLst>
+  </p:cSld>
+  <p:clrMapOvr>
+    <a:masterClrMapping/>
+  </p:clrMapOvr>
+</p:sld>
+</file>
+
+<file path=ppt/slides/slide7.xml><?xml version="1.0" encoding="utf-8"?>
+<p:sld xmlns:a="http://schemas.openxmlformats.org/drawingml/2006/main" xmlns:r="http://schemas.openxmlformats.org/officeDocument/2006/relationships" xmlns:p="http://schemas.openxmlformats.org/presentationml/2006/main">
+  <p:cSld>
+    <p:spTree>
+      <p:nvGrpSpPr>
+        <p:cNvPr id="1" name=""/>
+        <p:cNvGrpSpPr/>
+        <p:nvPr/>
+      </p:nvGrpSpPr>
+      <p:grpSpPr>
+        <a:xfrm>
+          <a:off x="0" y="0"/>
+          <a:ext cx="0" cy="0"/>
+          <a:chOff x="0" y="0"/>
+          <a:chExt cx="0" cy="0"/>
+        </a:xfrm>
+      </p:grpSpPr>
+      <p:sp>
+        <p:nvSpPr>
+          <p:cNvPr id="2" name="Title 1"/>
+          <p:cNvSpPr>
+            <a:spLocks noGrp="1"/>
+          </p:cNvSpPr>
+          <p:nvPr>
+            <p:ph type="title"/>
+          </p:nvPr>
+        </p:nvSpPr>
+        <p:spPr/>
+        <p:txBody>
+          <a:bodyPr/>
+          <a:lstStyle/>
+          <a:p>
+            <a:r>
+              <a:rPr lang="en-US" dirty="0" smtClean="0"/>
+              <a:t>Augmenting the Dataset</a:t>
+            </a:r>
+            <a:br>
+              <a:rPr lang="en-US" dirty="0" smtClean="0"/>
+            </a:br>
+            <a:r>
+              <a:rPr lang="en-US" sz="2000" dirty="0" smtClean="0"/>
+              <a:t>Body type mapping</a:t>
+            </a:r>
+            <a:endParaRPr lang="da-DK" dirty="0"/>
+          </a:p>
+        </p:txBody>
+      </p:sp>
+      <p:graphicFrame>
+        <p:nvGraphicFramePr>
+          <p:cNvPr id="5" name="Content Placeholder 4"/>
+          <p:cNvGraphicFramePr>
+            <a:graphicFrameLocks noGrp="1"/>
+          </p:cNvGraphicFramePr>
+          <p:nvPr>
+            <p:ph sz="half" idx="1"/>
+            <p:extLst>
+              <p:ext uri="{D42A27DB-BD31-4B8C-83A1-F6EECF244321}">
+                <p14:modId xmlns:p14="http://schemas.microsoft.com/office/powerpoint/2010/main" val="4020768832"/>
+              </p:ext>
+            </p:extLst>
+          </p:nvPr>
+        </p:nvGraphicFramePr>
+        <p:xfrm>
+          <a:off x="838200" y="1690688"/>
+          <a:ext cx="4241799" cy="4450080"/>
+        </p:xfrm>
+        <a:graphic>
+          <a:graphicData uri="http://schemas.openxmlformats.org/drawingml/2006/table">
+            <a:tbl>
+              <a:tblPr firstRow="1" bandRow="1">
+                <a:tableStyleId>{5C22544A-7EE6-4342-B048-85BDC9FD1C3A}</a:tableStyleId>
+              </a:tblPr>
+              <a:tblGrid>
+                <a:gridCol w="918029">
+                  <a:extLst>
+                    <a:ext uri="{9D8B030D-6E8A-4147-A177-3AD203B41FA5}">
+                      <a16:colId xmlns:a16="http://schemas.microsoft.com/office/drawing/2014/main" val="2072441976"/>
+                    </a:ext>
+                  </a:extLst>
+                </a:gridCol>
+                <a:gridCol w="1909837">
+                  <a:extLst>
+                    <a:ext uri="{9D8B030D-6E8A-4147-A177-3AD203B41FA5}">
+                      <a16:colId xmlns:a16="http://schemas.microsoft.com/office/drawing/2014/main" val="4092204706"/>
+                    </a:ext>
+                  </a:extLst>
+                </a:gridCol>
+                <a:gridCol w="1413933">
+                  <a:extLst>
+                    <a:ext uri="{9D8B030D-6E8A-4147-A177-3AD203B41FA5}">
+                      <a16:colId xmlns:a16="http://schemas.microsoft.com/office/drawing/2014/main" val="3140183693"/>
+                    </a:ext>
+                  </a:extLst>
+                </a:gridCol>
+              </a:tblGrid>
+              <a:tr h="370840">
+                <a:tc>
+                  <a:txBody>
+                    <a:bodyPr/>
+                    <a:lstStyle/>
+                    <a:p>
+                      <a:r>
+                        <a:rPr lang="da-DK" dirty="0" smtClean="0"/>
+                        <a:t>User</a:t>
+                      </a:r>
+                      <a:endParaRPr lang="da-DK" dirty="0"/>
+                    </a:p>
+                  </a:txBody>
+                  <a:tcPr/>
+                </a:tc>
+                <a:tc>
+                  <a:txBody>
+                    <a:bodyPr/>
+                    <a:lstStyle/>
+                    <a:p>
+                      <a:r>
+                        <a:rPr lang="da-DK" dirty="0" smtClean="0"/>
+                        <a:t>Body type</a:t>
+                      </a:r>
+                      <a:endParaRPr lang="da-DK" dirty="0"/>
+                    </a:p>
+                  </a:txBody>
+                  <a:tcPr/>
+                </a:tc>
+                <a:tc>
+                  <a:txBody>
+                    <a:bodyPr/>
+                    <a:lstStyle/>
+                    <a:p>
+                      <a:r>
+                        <a:rPr lang="da-DK" dirty="0" smtClean="0"/>
+                        <a:t>Body form</a:t>
+                      </a:r>
+                      <a:endParaRPr lang="da-DK" dirty="0"/>
+                    </a:p>
+                  </a:txBody>
+                  <a:tcPr/>
+                </a:tc>
+                <a:extLst>
+                  <a:ext uri="{0D108BD9-81ED-4DB2-BD59-A6C34878D82A}">
+                    <a16:rowId xmlns:a16="http://schemas.microsoft.com/office/drawing/2014/main" val="2320993942"/>
+                  </a:ext>
+                </a:extLst>
+              </a:tr>
+              <a:tr h="370840">
+                <a:tc>
+                  <a:txBody>
+                    <a:bodyPr/>
+                    <a:lstStyle/>
+                    <a:p>
+                      <a:r>
+                        <a:rPr lang="da-DK" b="1" dirty="0" smtClean="0"/>
+                        <a:t>0</a:t>
+                      </a:r>
+                      <a:endParaRPr lang="da-DK" b="1" dirty="0"/>
+                    </a:p>
+                  </a:txBody>
+                  <a:tcPr/>
+                </a:tc>
+                <a:tc>
+                  <a:txBody>
+                    <a:bodyPr/>
+                    <a:lstStyle/>
+                    <a:p>
+                      <a:r>
+                        <a:rPr lang="da-DK" dirty="0" err="1" smtClean="0"/>
+                        <a:t>Overweight</a:t>
+                      </a:r>
+                      <a:endParaRPr lang="da-DK" dirty="0"/>
+                    </a:p>
+                  </a:txBody>
+                  <a:tcPr/>
+                </a:tc>
+                <a:tc>
+                  <a:txBody>
+                    <a:bodyPr/>
+                    <a:lstStyle/>
+                    <a:p>
+                      <a:r>
+                        <a:rPr lang="da-DK" dirty="0" smtClean="0"/>
+                        <a:t>0</a:t>
+                      </a:r>
+                      <a:endParaRPr lang="da-DK" dirty="0"/>
+                    </a:p>
+                  </a:txBody>
+                  <a:tcPr/>
+                </a:tc>
+                <a:extLst>
+                  <a:ext uri="{0D108BD9-81ED-4DB2-BD59-A6C34878D82A}">
+                    <a16:rowId xmlns:a16="http://schemas.microsoft.com/office/drawing/2014/main" val="3967622235"/>
+                  </a:ext>
+                </a:extLst>
+              </a:tr>
+              <a:tr h="370840">
+                <a:tc>
+                  <a:txBody>
+                    <a:bodyPr/>
+                    <a:lstStyle/>
+                    <a:p>
+                      <a:r>
+                        <a:rPr lang="da-DK" b="1" dirty="0" smtClean="0"/>
+                        <a:t>1</a:t>
+                      </a:r>
+                      <a:endParaRPr lang="da-DK" b="1" dirty="0"/>
+                    </a:p>
+                  </a:txBody>
+                  <a:tcPr/>
+                </a:tc>
+                <a:tc>
+                  <a:txBody>
+                    <a:bodyPr/>
+                    <a:lstStyle/>
+                    <a:p>
+                      <a:r>
+                        <a:rPr lang="da-DK" dirty="0" smtClean="0"/>
+                        <a:t>Full </a:t>
+                      </a:r>
+                      <a:r>
+                        <a:rPr lang="da-DK" dirty="0" err="1" smtClean="0"/>
+                        <a:t>figured</a:t>
+                      </a:r>
+                      <a:endParaRPr lang="da-DK" dirty="0"/>
+                    </a:p>
+                  </a:txBody>
+                  <a:tcPr/>
+                </a:tc>
+                <a:tc>
+                  <a:txBody>
+                    <a:bodyPr/>
+                    <a:lstStyle/>
+                    <a:p>
+                      <a:r>
+                        <a:rPr lang="da-DK" dirty="0" smtClean="0"/>
+                        <a:t>0</a:t>
+                      </a:r>
+                      <a:endParaRPr lang="da-DK" dirty="0"/>
+                    </a:p>
+                  </a:txBody>
+                  <a:tcPr/>
+                </a:tc>
+                <a:extLst>
+                  <a:ext uri="{0D108BD9-81ED-4DB2-BD59-A6C34878D82A}">
+                    <a16:rowId xmlns:a16="http://schemas.microsoft.com/office/drawing/2014/main" val="3997787615"/>
+                  </a:ext>
+                </a:extLst>
+              </a:tr>
+              <a:tr h="370840">
+                <a:tc>
+                  <a:txBody>
+                    <a:bodyPr/>
+                    <a:lstStyle/>
+                    <a:p>
+                      <a:r>
+                        <a:rPr lang="da-DK" b="1" dirty="0" smtClean="0"/>
+                        <a:t>2</a:t>
+                      </a:r>
+                      <a:endParaRPr lang="da-DK" b="1" dirty="0"/>
+                    </a:p>
+                  </a:txBody>
+                  <a:tcPr/>
+                </a:tc>
+                <a:tc>
+                  <a:txBody>
+                    <a:bodyPr/>
+                    <a:lstStyle/>
+                    <a:p>
+                      <a:r>
+                        <a:rPr lang="da-DK" dirty="0" err="1" smtClean="0"/>
+                        <a:t>Used</a:t>
+                      </a:r>
+                      <a:r>
+                        <a:rPr lang="da-DK" baseline="0" dirty="0" smtClean="0"/>
+                        <a:t> up</a:t>
+                      </a:r>
+                      <a:endParaRPr lang="da-DK" dirty="0"/>
+                    </a:p>
+                  </a:txBody>
+                  <a:tcPr/>
+                </a:tc>
+                <a:tc>
+                  <a:txBody>
+                    <a:bodyPr/>
+                    <a:lstStyle/>
+                    <a:p>
+                      <a:r>
+                        <a:rPr lang="da-DK" dirty="0" smtClean="0"/>
+                        <a:t>0</a:t>
+                      </a:r>
+                      <a:endParaRPr lang="da-DK" dirty="0"/>
+                    </a:p>
+                  </a:txBody>
+                  <a:tcPr/>
+                </a:tc>
+                <a:extLst>
+                  <a:ext uri="{0D108BD9-81ED-4DB2-BD59-A6C34878D82A}">
+                    <a16:rowId xmlns:a16="http://schemas.microsoft.com/office/drawing/2014/main" val="2407477255"/>
+                  </a:ext>
+                </a:extLst>
+              </a:tr>
+              <a:tr h="370840">
+                <a:tc>
+                  <a:txBody>
+                    <a:bodyPr/>
+                    <a:lstStyle/>
+                    <a:p>
+                      <a:r>
+                        <a:rPr lang="da-DK" b="1" dirty="0" smtClean="0"/>
+                        <a:t>3</a:t>
+                      </a:r>
+                      <a:endParaRPr lang="da-DK" b="1" dirty="0"/>
+                    </a:p>
+                  </a:txBody>
+                  <a:tcPr/>
+                </a:tc>
+                <a:tc>
+                  <a:txBody>
+                    <a:bodyPr/>
+                    <a:lstStyle/>
+                    <a:p>
+                      <a:r>
+                        <a:rPr lang="da-DK" dirty="0" smtClean="0"/>
+                        <a:t>A </a:t>
+                      </a:r>
+                      <a:r>
+                        <a:rPr lang="da-DK" dirty="0" err="1" smtClean="0"/>
+                        <a:t>little</a:t>
+                      </a:r>
+                      <a:r>
+                        <a:rPr lang="da-DK" dirty="0" smtClean="0"/>
+                        <a:t> </a:t>
+                      </a:r>
+                      <a:r>
+                        <a:rPr lang="da-DK" dirty="0" err="1" smtClean="0"/>
+                        <a:t>extra</a:t>
+                      </a:r>
+                      <a:endParaRPr lang="da-DK" dirty="0"/>
+                    </a:p>
+                  </a:txBody>
+                  <a:tcPr/>
+                </a:tc>
+                <a:tc>
+                  <a:txBody>
+                    <a:bodyPr/>
+                    <a:lstStyle/>
+                    <a:p>
+                      <a:r>
+                        <a:rPr lang="da-DK" dirty="0" smtClean="0"/>
+                        <a:t>0</a:t>
+                      </a:r>
+                      <a:endParaRPr lang="da-DK" dirty="0"/>
+                    </a:p>
+                  </a:txBody>
+                  <a:tcPr/>
+                </a:tc>
+                <a:extLst>
+                  <a:ext uri="{0D108BD9-81ED-4DB2-BD59-A6C34878D82A}">
+                    <a16:rowId xmlns:a16="http://schemas.microsoft.com/office/drawing/2014/main" val="432184142"/>
+                  </a:ext>
+                </a:extLst>
+              </a:tr>
+              <a:tr h="370840">
+                <a:tc>
+                  <a:txBody>
+                    <a:bodyPr/>
+                    <a:lstStyle/>
+                    <a:p>
+                      <a:r>
+                        <a:rPr lang="da-DK" b="1" dirty="0" smtClean="0"/>
+                        <a:t>4</a:t>
+                      </a:r>
+                      <a:endParaRPr lang="da-DK" b="1" dirty="0"/>
+                    </a:p>
+                  </a:txBody>
+                  <a:tcPr/>
+                </a:tc>
+                <a:tc>
+                  <a:txBody>
+                    <a:bodyPr/>
+                    <a:lstStyle/>
+                    <a:p>
+                      <a:r>
+                        <a:rPr lang="da-DK" dirty="0" err="1" smtClean="0"/>
+                        <a:t>Curvy</a:t>
+                      </a:r>
+                      <a:endParaRPr lang="da-DK" dirty="0"/>
+                    </a:p>
+                  </a:txBody>
+                  <a:tcPr/>
+                </a:tc>
+                <a:tc>
+                  <a:txBody>
+                    <a:bodyPr/>
+                    <a:lstStyle/>
+                    <a:p>
+                      <a:r>
+                        <a:rPr lang="da-DK" dirty="0" smtClean="0"/>
+                        <a:t>0</a:t>
+                      </a:r>
+                      <a:endParaRPr lang="da-DK" dirty="0"/>
+                    </a:p>
+                  </a:txBody>
+                  <a:tcPr/>
+                </a:tc>
+                <a:extLst>
+                  <a:ext uri="{0D108BD9-81ED-4DB2-BD59-A6C34878D82A}">
+                    <a16:rowId xmlns:a16="http://schemas.microsoft.com/office/drawing/2014/main" val="432828981"/>
+                  </a:ext>
+                </a:extLst>
+              </a:tr>
+              <a:tr h="370840">
+                <a:tc>
+                  <a:txBody>
+                    <a:bodyPr/>
+                    <a:lstStyle/>
+                    <a:p>
+                      <a:r>
+                        <a:rPr lang="da-DK" b="1" dirty="0" smtClean="0"/>
+                        <a:t>5</a:t>
+                      </a:r>
+                      <a:endParaRPr lang="da-DK" b="1" dirty="0"/>
+                    </a:p>
+                  </a:txBody>
+                  <a:tcPr/>
+                </a:tc>
+                <a:tc>
+                  <a:txBody>
+                    <a:bodyPr/>
+                    <a:lstStyle/>
+                    <a:p>
+                      <a:r>
+                        <a:rPr lang="da-DK" dirty="0" smtClean="0"/>
+                        <a:t>Average</a:t>
+                      </a:r>
+                      <a:endParaRPr lang="da-DK" dirty="0"/>
+                    </a:p>
+                  </a:txBody>
+                  <a:tcPr/>
+                </a:tc>
+                <a:tc>
+                  <a:txBody>
+                    <a:bodyPr/>
+                    <a:lstStyle/>
+                    <a:p>
+                      <a:r>
+                        <a:rPr lang="da-DK" dirty="0" smtClean="0"/>
+                        <a:t>1</a:t>
+                      </a:r>
+                      <a:endParaRPr lang="da-DK" dirty="0"/>
+                    </a:p>
+                  </a:txBody>
+                  <a:tcPr/>
+                </a:tc>
+                <a:extLst>
+                  <a:ext uri="{0D108BD9-81ED-4DB2-BD59-A6C34878D82A}">
+                    <a16:rowId xmlns:a16="http://schemas.microsoft.com/office/drawing/2014/main" val="1421769050"/>
+                  </a:ext>
+                </a:extLst>
+              </a:tr>
+              <a:tr h="370840">
+                <a:tc>
+                  <a:txBody>
+                    <a:bodyPr/>
+                    <a:lstStyle/>
+                    <a:p>
+                      <a:r>
+                        <a:rPr lang="da-DK" b="1" dirty="0" smtClean="0"/>
+                        <a:t>6</a:t>
+                      </a:r>
+                      <a:endParaRPr lang="da-DK" b="1" dirty="0"/>
+                    </a:p>
+                  </a:txBody>
+                  <a:tcPr/>
+                </a:tc>
+                <a:tc>
+                  <a:txBody>
+                    <a:bodyPr/>
+                    <a:lstStyle/>
+                    <a:p>
+                      <a:r>
+                        <a:rPr lang="da-DK" dirty="0" err="1" smtClean="0"/>
+                        <a:t>Skinny</a:t>
+                      </a:r>
+                      <a:endParaRPr lang="da-DK" dirty="0"/>
+                    </a:p>
+                  </a:txBody>
+                  <a:tcPr/>
+                </a:tc>
+                <a:tc>
+                  <a:txBody>
+                    <a:bodyPr/>
+                    <a:lstStyle/>
+                    <a:p>
+                      <a:r>
+                        <a:rPr lang="da-DK" dirty="0" smtClean="0"/>
+                        <a:t>1</a:t>
+                      </a:r>
+                      <a:endParaRPr lang="da-DK" dirty="0"/>
+                    </a:p>
+                  </a:txBody>
+                  <a:tcPr/>
+                </a:tc>
+                <a:extLst>
+                  <a:ext uri="{0D108BD9-81ED-4DB2-BD59-A6C34878D82A}">
+                    <a16:rowId xmlns:a16="http://schemas.microsoft.com/office/drawing/2014/main" val="438140524"/>
+                  </a:ext>
+                </a:extLst>
+              </a:tr>
+              <a:tr h="370840">
+                <a:tc>
+                  <a:txBody>
+                    <a:bodyPr/>
+                    <a:lstStyle/>
+                    <a:p>
+                      <a:r>
+                        <a:rPr lang="da-DK" b="1" dirty="0" smtClean="0"/>
+                        <a:t>7</a:t>
+                      </a:r>
+                      <a:endParaRPr lang="da-DK" b="1" dirty="0"/>
+                    </a:p>
+                  </a:txBody>
+                  <a:tcPr/>
+                </a:tc>
+                <a:tc>
+                  <a:txBody>
+                    <a:bodyPr/>
+                    <a:lstStyle/>
+                    <a:p>
+                      <a:r>
+                        <a:rPr lang="da-DK" dirty="0" err="1" smtClean="0"/>
+                        <a:t>Fit</a:t>
+                      </a:r>
+                      <a:endParaRPr lang="da-DK" dirty="0"/>
+                    </a:p>
+                  </a:txBody>
+                  <a:tcPr/>
+                </a:tc>
+                <a:tc>
+                  <a:txBody>
+                    <a:bodyPr/>
+                    <a:lstStyle/>
+                    <a:p>
+                      <a:r>
+                        <a:rPr lang="da-DK" dirty="0" smtClean="0"/>
+                        <a:t>2</a:t>
+                      </a:r>
+                      <a:endParaRPr lang="da-DK" dirty="0"/>
+                    </a:p>
+                  </a:txBody>
+                  <a:tcPr/>
+                </a:tc>
+                <a:extLst>
+                  <a:ext uri="{0D108BD9-81ED-4DB2-BD59-A6C34878D82A}">
+                    <a16:rowId xmlns:a16="http://schemas.microsoft.com/office/drawing/2014/main" val="1897393529"/>
+                  </a:ext>
+                </a:extLst>
+              </a:tr>
+              <a:tr h="370840">
+                <a:tc>
+                  <a:txBody>
+                    <a:bodyPr/>
+                    <a:lstStyle/>
+                    <a:p>
+                      <a:r>
+                        <a:rPr lang="da-DK" b="1" dirty="0" smtClean="0"/>
+                        <a:t>8</a:t>
+                      </a:r>
+                      <a:endParaRPr lang="da-DK" b="1" dirty="0"/>
+                    </a:p>
+                  </a:txBody>
+                  <a:tcPr/>
+                </a:tc>
+                <a:tc>
+                  <a:txBody>
+                    <a:bodyPr/>
+                    <a:lstStyle/>
+                    <a:p>
+                      <a:r>
+                        <a:rPr lang="da-DK" dirty="0" err="1" smtClean="0"/>
+                        <a:t>Athletic</a:t>
+                      </a:r>
+                      <a:endParaRPr lang="da-DK" dirty="0"/>
+                    </a:p>
+                  </a:txBody>
+                  <a:tcPr/>
+                </a:tc>
+                <a:tc>
+                  <a:txBody>
+                    <a:bodyPr/>
+                    <a:lstStyle/>
+                    <a:p>
+                      <a:r>
+                        <a:rPr lang="da-DK" dirty="0" smtClean="0"/>
+                        <a:t>2</a:t>
+                      </a:r>
+                      <a:endParaRPr lang="da-DK" dirty="0"/>
+                    </a:p>
+                  </a:txBody>
+                  <a:tcPr/>
+                </a:tc>
+                <a:extLst>
+                  <a:ext uri="{0D108BD9-81ED-4DB2-BD59-A6C34878D82A}">
+                    <a16:rowId xmlns:a16="http://schemas.microsoft.com/office/drawing/2014/main" val="4090099013"/>
+                  </a:ext>
+                </a:extLst>
+              </a:tr>
+              <a:tr h="370840">
+                <a:tc>
+                  <a:txBody>
+                    <a:bodyPr/>
+                    <a:lstStyle/>
+                    <a:p>
+                      <a:r>
+                        <a:rPr lang="da-DK" b="1" dirty="0" smtClean="0"/>
+                        <a:t>9</a:t>
+                      </a:r>
+                      <a:endParaRPr lang="da-DK" b="1" dirty="0"/>
+                    </a:p>
+                  </a:txBody>
+                  <a:tcPr/>
+                </a:tc>
+                <a:tc>
+                  <a:txBody>
+                    <a:bodyPr/>
+                    <a:lstStyle/>
+                    <a:p>
+                      <a:r>
+                        <a:rPr lang="da-DK" dirty="0" err="1" smtClean="0"/>
+                        <a:t>Thin</a:t>
+                      </a:r>
+                      <a:endParaRPr lang="da-DK" dirty="0"/>
+                    </a:p>
+                  </a:txBody>
+                  <a:tcPr/>
+                </a:tc>
+                <a:tc>
+                  <a:txBody>
+                    <a:bodyPr/>
+                    <a:lstStyle/>
+                    <a:p>
+                      <a:r>
+                        <a:rPr lang="da-DK" dirty="0" smtClean="0"/>
+                        <a:t>2</a:t>
+                      </a:r>
+                      <a:endParaRPr lang="da-DK" dirty="0"/>
+                    </a:p>
+                  </a:txBody>
+                  <a:tcPr/>
+                </a:tc>
+                <a:extLst>
+                  <a:ext uri="{0D108BD9-81ED-4DB2-BD59-A6C34878D82A}">
+                    <a16:rowId xmlns:a16="http://schemas.microsoft.com/office/drawing/2014/main" val="32459515"/>
+                  </a:ext>
+                </a:extLst>
+              </a:tr>
+              <a:tr h="370840">
+                <a:tc>
+                  <a:txBody>
+                    <a:bodyPr/>
+                    <a:lstStyle/>
+                    <a:p>
+                      <a:r>
+                        <a:rPr lang="da-DK" b="1" dirty="0" smtClean="0"/>
+                        <a:t>10</a:t>
+                      </a:r>
+                      <a:endParaRPr lang="da-DK" b="1" dirty="0"/>
+                    </a:p>
+                  </a:txBody>
+                  <a:tcPr/>
+                </a:tc>
+                <a:tc>
+                  <a:txBody>
+                    <a:bodyPr/>
+                    <a:lstStyle/>
+                    <a:p>
+                      <a:r>
+                        <a:rPr lang="da-DK" dirty="0" err="1" smtClean="0"/>
+                        <a:t>Jacked</a:t>
+                      </a:r>
+                      <a:endParaRPr lang="da-DK" dirty="0"/>
+                    </a:p>
+                  </a:txBody>
+                  <a:tcPr/>
+                </a:tc>
+                <a:tc>
+                  <a:txBody>
+                    <a:bodyPr/>
+                    <a:lstStyle/>
+                    <a:p>
+                      <a:r>
+                        <a:rPr lang="da-DK" dirty="0" smtClean="0"/>
+                        <a:t>2</a:t>
+                      </a:r>
+                      <a:endParaRPr lang="da-DK" dirty="0"/>
+                    </a:p>
+                  </a:txBody>
+                  <a:tcPr/>
+                </a:tc>
+                <a:extLst>
+                  <a:ext uri="{0D108BD9-81ED-4DB2-BD59-A6C34878D82A}">
+                    <a16:rowId xmlns:a16="http://schemas.microsoft.com/office/drawing/2014/main" val="2864808755"/>
+                  </a:ext>
+                </a:extLst>
+              </a:tr>
+            </a:tbl>
+          </a:graphicData>
+        </a:graphic>
+      </p:graphicFrame>
+      <p:sp>
+        <p:nvSpPr>
+          <p:cNvPr id="6" name="TextBox 5"/>
+          <p:cNvSpPr txBox="1"/>
+          <p:nvPr/>
+        </p:nvSpPr>
+        <p:spPr>
+          <a:xfrm>
+            <a:off x="5312228" y="1690688"/>
+            <a:ext cx="6041572" cy="2031325"/>
+          </a:xfrm>
+          <a:prstGeom prst="rect">
+            <a:avLst/>
+          </a:prstGeom>
+          <a:noFill/>
+        </p:spPr>
+        <p:txBody>
+          <a:bodyPr wrap="square" rtlCol="0">
+            <a:spAutoFit/>
+          </a:bodyPr>
+          <a:lstStyle/>
+          <a:p>
+            <a:r>
+              <a:rPr lang="en-US" dirty="0" smtClean="0"/>
+              <a:t>I thought that the body type would have impact on which diet the user is doing. The body types defined in the dataset is not very describable, so I chose to split it up in three categories, where the higher the number it is, the better the form.</a:t>
+            </a:r>
+          </a:p>
+          <a:p>
+            <a:r>
+              <a:rPr lang="en-US" dirty="0"/>
+              <a:t/>
+            </a:r>
+            <a:br>
+              <a:rPr lang="en-US" dirty="0"/>
+            </a:br>
+            <a:r>
+              <a:rPr lang="en-US" dirty="0" smtClean="0"/>
+              <a:t>The table to the left shows how the data has been mapped into the new “Body form” column.</a:t>
+            </a:r>
+            <a:endParaRPr lang="en-US" dirty="0"/>
+          </a:p>
+        </p:txBody>
+      </p:sp>
+    </p:spTree>
+    <p:extLst>
+      <p:ext uri="{BB962C8B-B14F-4D97-AF65-F5344CB8AC3E}">
+        <p14:creationId xmlns:p14="http://schemas.microsoft.com/office/powerpoint/2010/main" val="4102536553"/>
       </p:ext>
     </p:extLst>
   </p:cSld>

--- a/Presentation.pptx
+++ b/Presentation.pptx
@@ -5,7 +5,7 @@
     <p:sldMasterId id="2147483648" r:id="rId1"/>
   </p:sldMasterIdLst>
   <p:notesMasterIdLst>
-    <p:notesMasterId r:id="rId9"/>
+    <p:notesMasterId r:id="rId13"/>
   </p:notesMasterIdLst>
   <p:sldIdLst>
     <p:sldId id="256" r:id="rId2"/>
@@ -15,6 +15,10 @@
     <p:sldId id="260" r:id="rId6"/>
     <p:sldId id="261" r:id="rId7"/>
     <p:sldId id="262" r:id="rId8"/>
+    <p:sldId id="263" r:id="rId9"/>
+    <p:sldId id="264" r:id="rId10"/>
+    <p:sldId id="265" r:id="rId11"/>
+    <p:sldId id="266" r:id="rId12"/>
   </p:sldIdLst>
   <p:sldSz cx="12192000" cy="6858000"/>
   <p:notesSz cx="6858000" cy="9144000"/>
@@ -3618,6 +3622,762 @@
 </p:sld>
 </file>
 
+<file path=ppt/slides/slide10.xml><?xml version="1.0" encoding="utf-8"?>
+<p:sld xmlns:a="http://schemas.openxmlformats.org/drawingml/2006/main" xmlns:r="http://schemas.openxmlformats.org/officeDocument/2006/relationships" xmlns:p="http://schemas.openxmlformats.org/presentationml/2006/main">
+  <p:cSld>
+    <p:spTree>
+      <p:nvGrpSpPr>
+        <p:cNvPr id="1" name=""/>
+        <p:cNvGrpSpPr/>
+        <p:nvPr/>
+      </p:nvGrpSpPr>
+      <p:grpSpPr>
+        <a:xfrm>
+          <a:off x="0" y="0"/>
+          <a:ext cx="0" cy="0"/>
+          <a:chOff x="0" y="0"/>
+          <a:chExt cx="0" cy="0"/>
+        </a:xfrm>
+      </p:grpSpPr>
+      <p:sp>
+        <p:nvSpPr>
+          <p:cNvPr id="2" name="Title 1"/>
+          <p:cNvSpPr>
+            <a:spLocks noGrp="1"/>
+          </p:cNvSpPr>
+          <p:nvPr>
+            <p:ph type="title"/>
+          </p:nvPr>
+        </p:nvSpPr>
+        <p:spPr/>
+        <p:txBody>
+          <a:bodyPr/>
+          <a:lstStyle/>
+          <a:p>
+            <a:r>
+              <a:rPr lang="en-US" dirty="0" smtClean="0"/>
+              <a:t>Best K</a:t>
+            </a:r>
+            <a:endParaRPr lang="da-DK" dirty="0"/>
+          </a:p>
+        </p:txBody>
+      </p:sp>
+      <p:sp>
+        <p:nvSpPr>
+          <p:cNvPr id="7" name="TextBox 6"/>
+          <p:cNvSpPr txBox="1"/>
+          <p:nvPr/>
+        </p:nvSpPr>
+        <p:spPr>
+          <a:xfrm>
+            <a:off x="838201" y="4390688"/>
+            <a:ext cx="10515600" cy="923330"/>
+          </a:xfrm>
+          <a:prstGeom prst="rect">
+            <a:avLst/>
+          </a:prstGeom>
+          <a:noFill/>
+        </p:spPr>
+        <p:txBody>
+          <a:bodyPr wrap="square" rtlCol="0">
+            <a:spAutoFit/>
+          </a:bodyPr>
+          <a:lstStyle/>
+          <a:p>
+            <a:r>
+              <a:rPr lang="da-DK" dirty="0" smtClean="0"/>
+              <a:t>The </a:t>
+            </a:r>
+            <a:r>
+              <a:rPr lang="da-DK" dirty="0" err="1" smtClean="0"/>
+              <a:t>classifier</a:t>
+            </a:r>
+            <a:r>
+              <a:rPr lang="da-DK" dirty="0" smtClean="0"/>
+              <a:t> performs OK from start and </a:t>
+            </a:r>
+            <a:r>
+              <a:rPr lang="da-DK" dirty="0" err="1" smtClean="0"/>
+              <a:t>gets</a:t>
+            </a:r>
+            <a:r>
+              <a:rPr lang="da-DK" dirty="0" smtClean="0"/>
+              <a:t> </a:t>
+            </a:r>
+            <a:r>
+              <a:rPr lang="da-DK" dirty="0" err="1" smtClean="0"/>
+              <a:t>best</a:t>
+            </a:r>
+            <a:r>
+              <a:rPr lang="da-DK" dirty="0" smtClean="0"/>
+              <a:t> </a:t>
+            </a:r>
+            <a:r>
+              <a:rPr lang="da-DK" dirty="0" err="1" smtClean="0"/>
+              <a:t>when</a:t>
+            </a:r>
+            <a:r>
+              <a:rPr lang="da-DK" dirty="0" smtClean="0"/>
+              <a:t> K is 29.</a:t>
+            </a:r>
+          </a:p>
+          <a:p>
+            <a:r>
+              <a:rPr lang="da-DK" dirty="0" smtClean="0"/>
+              <a:t>The </a:t>
+            </a:r>
+            <a:r>
+              <a:rPr lang="da-DK" dirty="0" err="1" smtClean="0"/>
+              <a:t>regressor</a:t>
+            </a:r>
+            <a:r>
+              <a:rPr lang="da-DK" dirty="0" smtClean="0"/>
+              <a:t> performs </a:t>
+            </a:r>
+            <a:r>
+              <a:rPr lang="da-DK" dirty="0" err="1" smtClean="0"/>
+              <a:t>poorly</a:t>
+            </a:r>
+            <a:r>
+              <a:rPr lang="da-DK" dirty="0" smtClean="0"/>
+              <a:t> and </a:t>
+            </a:r>
+            <a:r>
+              <a:rPr lang="da-DK" dirty="0" err="1" smtClean="0"/>
+              <a:t>are</a:t>
+            </a:r>
+            <a:r>
+              <a:rPr lang="da-DK" dirty="0" smtClean="0"/>
+              <a:t> </a:t>
+            </a:r>
+            <a:r>
+              <a:rPr lang="da-DK" dirty="0" err="1" smtClean="0"/>
+              <a:t>actually</a:t>
+            </a:r>
+            <a:r>
+              <a:rPr lang="da-DK" dirty="0" smtClean="0"/>
+              <a:t> </a:t>
+            </a:r>
+            <a:r>
+              <a:rPr lang="da-DK" dirty="0" err="1" smtClean="0"/>
+              <a:t>making</a:t>
+            </a:r>
+            <a:r>
+              <a:rPr lang="da-DK" dirty="0" smtClean="0"/>
+              <a:t> </a:t>
+            </a:r>
+            <a:r>
+              <a:rPr lang="da-DK" dirty="0" err="1" smtClean="0"/>
+              <a:t>predictions</a:t>
+            </a:r>
+            <a:r>
+              <a:rPr lang="da-DK" dirty="0" smtClean="0"/>
+              <a:t> that </a:t>
+            </a:r>
+            <a:r>
+              <a:rPr lang="da-DK" dirty="0" err="1" smtClean="0"/>
+              <a:t>are</a:t>
+            </a:r>
+            <a:r>
+              <a:rPr lang="da-DK" dirty="0" smtClean="0"/>
+              <a:t> </a:t>
+            </a:r>
+            <a:r>
+              <a:rPr lang="da-DK" dirty="0" err="1" smtClean="0"/>
+              <a:t>completely</a:t>
+            </a:r>
+            <a:r>
+              <a:rPr lang="da-DK" dirty="0" smtClean="0"/>
+              <a:t> </a:t>
+            </a:r>
+            <a:r>
+              <a:rPr lang="da-DK" dirty="0" err="1" smtClean="0"/>
+              <a:t>wrong</a:t>
+            </a:r>
+            <a:r>
+              <a:rPr lang="da-DK" dirty="0" smtClean="0"/>
+              <a:t> </a:t>
+            </a:r>
+            <a:r>
+              <a:rPr lang="da-DK" dirty="0" err="1" smtClean="0"/>
+              <a:t>when</a:t>
+            </a:r>
+            <a:r>
+              <a:rPr lang="da-DK" dirty="0" smtClean="0"/>
+              <a:t> K is </a:t>
+            </a:r>
+            <a:r>
+              <a:rPr lang="da-DK" dirty="0" err="1" smtClean="0"/>
+              <a:t>lowest</a:t>
+            </a:r>
+            <a:r>
+              <a:rPr lang="da-DK" dirty="0" smtClean="0"/>
+              <a:t>, it </a:t>
+            </a:r>
+            <a:r>
+              <a:rPr lang="da-DK" dirty="0" err="1" smtClean="0"/>
+              <a:t>does</a:t>
+            </a:r>
+            <a:r>
+              <a:rPr lang="da-DK" dirty="0" smtClean="0"/>
+              <a:t> </a:t>
+            </a:r>
+            <a:r>
+              <a:rPr lang="da-DK" dirty="0" err="1" smtClean="0"/>
+              <a:t>however</a:t>
+            </a:r>
+            <a:r>
+              <a:rPr lang="da-DK" dirty="0" smtClean="0"/>
+              <a:t> </a:t>
+            </a:r>
+            <a:r>
+              <a:rPr lang="da-DK" dirty="0" err="1" smtClean="0"/>
+              <a:t>become</a:t>
+            </a:r>
+            <a:r>
+              <a:rPr lang="da-DK" dirty="0" smtClean="0"/>
+              <a:t> </a:t>
+            </a:r>
+            <a:r>
+              <a:rPr lang="da-DK" dirty="0" err="1" smtClean="0"/>
+              <a:t>better</a:t>
+            </a:r>
+            <a:r>
+              <a:rPr lang="da-DK" dirty="0" smtClean="0"/>
+              <a:t> and </a:t>
+            </a:r>
+            <a:r>
+              <a:rPr lang="da-DK" dirty="0" err="1" smtClean="0"/>
+              <a:t>better</a:t>
+            </a:r>
+            <a:r>
+              <a:rPr lang="da-DK" dirty="0" smtClean="0"/>
+              <a:t> but </a:t>
+            </a:r>
+            <a:r>
+              <a:rPr lang="da-DK" dirty="0" err="1" smtClean="0"/>
+              <a:t>will</a:t>
+            </a:r>
+            <a:r>
+              <a:rPr lang="da-DK" dirty="0" smtClean="0"/>
+              <a:t> never </a:t>
+            </a:r>
+            <a:r>
+              <a:rPr lang="da-DK" dirty="0" err="1" smtClean="0"/>
+              <a:t>be</a:t>
+            </a:r>
+            <a:r>
+              <a:rPr lang="da-DK" dirty="0" smtClean="0"/>
+              <a:t> </a:t>
+            </a:r>
+            <a:r>
+              <a:rPr lang="da-DK" dirty="0" err="1" smtClean="0"/>
+              <a:t>good</a:t>
+            </a:r>
+            <a:r>
+              <a:rPr lang="da-DK" dirty="0" smtClean="0"/>
+              <a:t> </a:t>
+            </a:r>
+            <a:r>
+              <a:rPr lang="da-DK" dirty="0" err="1" smtClean="0"/>
+              <a:t>enough</a:t>
+            </a:r>
+            <a:r>
+              <a:rPr lang="da-DK" dirty="0" smtClean="0"/>
+              <a:t> for </a:t>
+            </a:r>
+            <a:r>
+              <a:rPr lang="da-DK" dirty="0" err="1" smtClean="0"/>
+              <a:t>actual</a:t>
+            </a:r>
+            <a:r>
+              <a:rPr lang="da-DK" dirty="0" smtClean="0"/>
+              <a:t> </a:t>
+            </a:r>
+            <a:r>
+              <a:rPr lang="da-DK" dirty="0" err="1" smtClean="0"/>
+              <a:t>use</a:t>
+            </a:r>
+            <a:r>
+              <a:rPr lang="da-DK" dirty="0" smtClean="0"/>
+              <a:t>.</a:t>
+            </a:r>
+            <a:endParaRPr lang="da-DK" dirty="0"/>
+          </a:p>
+        </p:txBody>
+      </p:sp>
+      <p:pic>
+        <p:nvPicPr>
+          <p:cNvPr id="6" name="Content Placeholder 5"/>
+          <p:cNvPicPr>
+            <a:picLocks noGrp="1" noChangeAspect="1"/>
+          </p:cNvPicPr>
+          <p:nvPr>
+            <p:ph sz="half" idx="1"/>
+          </p:nvPr>
+        </p:nvPicPr>
+        <p:blipFill>
+          <a:blip r:embed="rId2">
+            <a:extLst>
+              <a:ext uri="{28A0092B-C50C-407E-A947-70E740481C1C}">
+                <a14:useLocalDpi xmlns:a14="http://schemas.microsoft.com/office/drawing/2010/main" val="0"/>
+              </a:ext>
+            </a:extLst>
+          </a:blip>
+          <a:stretch>
+            <a:fillRect/>
+          </a:stretch>
+        </p:blipFill>
+        <p:spPr>
+          <a:xfrm>
+            <a:off x="1771071" y="1690688"/>
+            <a:ext cx="3630251" cy="2700000"/>
+          </a:xfrm>
+        </p:spPr>
+      </p:pic>
+      <p:pic>
+        <p:nvPicPr>
+          <p:cNvPr id="9" name="Content Placeholder 8"/>
+          <p:cNvPicPr>
+            <a:picLocks noGrp="1" noChangeAspect="1"/>
+          </p:cNvPicPr>
+          <p:nvPr>
+            <p:ph sz="half" idx="2"/>
+          </p:nvPr>
+        </p:nvPicPr>
+        <p:blipFill>
+          <a:blip r:embed="rId3">
+            <a:extLst>
+              <a:ext uri="{28A0092B-C50C-407E-A947-70E740481C1C}">
+                <a14:useLocalDpi xmlns:a14="http://schemas.microsoft.com/office/drawing/2010/main" val="0"/>
+              </a:ext>
+            </a:extLst>
+          </a:blip>
+          <a:stretch>
+            <a:fillRect/>
+          </a:stretch>
+        </p:blipFill>
+        <p:spPr>
+          <a:xfrm>
+            <a:off x="6334193" y="1690688"/>
+            <a:ext cx="3630251" cy="2700000"/>
+          </a:xfrm>
+        </p:spPr>
+      </p:pic>
+    </p:spTree>
+    <p:extLst>
+      <p:ext uri="{BB962C8B-B14F-4D97-AF65-F5344CB8AC3E}">
+        <p14:creationId xmlns:p14="http://schemas.microsoft.com/office/powerpoint/2010/main" val="136213435"/>
+      </p:ext>
+    </p:extLst>
+  </p:cSld>
+  <p:clrMapOvr>
+    <a:masterClrMapping/>
+  </p:clrMapOvr>
+</p:sld>
+</file>
+
+<file path=ppt/slides/slide11.xml><?xml version="1.0" encoding="utf-8"?>
+<p:sld xmlns:a="http://schemas.openxmlformats.org/drawingml/2006/main" xmlns:r="http://schemas.openxmlformats.org/officeDocument/2006/relationships" xmlns:p="http://schemas.openxmlformats.org/presentationml/2006/main">
+  <p:cSld>
+    <p:spTree>
+      <p:nvGrpSpPr>
+        <p:cNvPr id="1" name=""/>
+        <p:cNvGrpSpPr/>
+        <p:nvPr/>
+      </p:nvGrpSpPr>
+      <p:grpSpPr>
+        <a:xfrm>
+          <a:off x="0" y="0"/>
+          <a:ext cx="0" cy="0"/>
+          <a:chOff x="0" y="0"/>
+          <a:chExt cx="0" cy="0"/>
+        </a:xfrm>
+      </p:grpSpPr>
+      <p:sp>
+        <p:nvSpPr>
+          <p:cNvPr id="2" name="Title 1"/>
+          <p:cNvSpPr>
+            <a:spLocks noGrp="1"/>
+          </p:cNvSpPr>
+          <p:nvPr>
+            <p:ph type="title"/>
+          </p:nvPr>
+        </p:nvSpPr>
+        <p:spPr/>
+        <p:txBody>
+          <a:bodyPr/>
+          <a:lstStyle/>
+          <a:p>
+            <a:r>
+              <a:rPr lang="en-US" dirty="0" smtClean="0"/>
+              <a:t>Conclusions/Next steps</a:t>
+            </a:r>
+            <a:endParaRPr lang="da-DK" dirty="0"/>
+          </a:p>
+        </p:txBody>
+      </p:sp>
+      <p:sp>
+        <p:nvSpPr>
+          <p:cNvPr id="3" name="Content Placeholder 2"/>
+          <p:cNvSpPr>
+            <a:spLocks noGrp="1"/>
+          </p:cNvSpPr>
+          <p:nvPr>
+            <p:ph idx="1"/>
+          </p:nvPr>
+        </p:nvSpPr>
+        <p:spPr>
+          <a:xfrm>
+            <a:off x="838200" y="1825625"/>
+            <a:ext cx="10515600" cy="4510520"/>
+          </a:xfrm>
+        </p:spPr>
+        <p:txBody>
+          <a:bodyPr/>
+          <a:lstStyle/>
+          <a:p>
+            <a:r>
+              <a:rPr lang="da-DK" dirty="0" smtClean="0"/>
+              <a:t>The </a:t>
+            </a:r>
+            <a:r>
+              <a:rPr lang="da-DK" dirty="0" err="1" smtClean="0"/>
+              <a:t>classification</a:t>
+            </a:r>
+            <a:r>
+              <a:rPr lang="da-DK" dirty="0" smtClean="0"/>
+              <a:t> </a:t>
+            </a:r>
+            <a:r>
+              <a:rPr lang="da-DK" dirty="0" err="1" smtClean="0"/>
+              <a:t>approaches</a:t>
+            </a:r>
+            <a:r>
+              <a:rPr lang="da-DK" dirty="0" smtClean="0"/>
+              <a:t> </a:t>
+            </a:r>
+            <a:r>
+              <a:rPr lang="da-DK" dirty="0" err="1" smtClean="0"/>
+              <a:t>are</a:t>
+            </a:r>
+            <a:r>
+              <a:rPr lang="da-DK" dirty="0" smtClean="0"/>
+              <a:t> </a:t>
+            </a:r>
+            <a:r>
+              <a:rPr lang="da-DK" dirty="0" err="1" smtClean="0"/>
+              <a:t>clearly</a:t>
+            </a:r>
+            <a:r>
+              <a:rPr lang="da-DK" dirty="0" smtClean="0"/>
+              <a:t> </a:t>
+            </a:r>
+            <a:r>
+              <a:rPr lang="da-DK" dirty="0" err="1" smtClean="0"/>
+              <a:t>best</a:t>
+            </a:r>
+            <a:r>
+              <a:rPr lang="da-DK" dirty="0" smtClean="0"/>
+              <a:t>.</a:t>
+            </a:r>
+          </a:p>
+          <a:p>
+            <a:r>
+              <a:rPr lang="da-DK" dirty="0" smtClean="0"/>
+              <a:t>Naive </a:t>
+            </a:r>
+            <a:r>
+              <a:rPr lang="da-DK" dirty="0" err="1" smtClean="0"/>
+              <a:t>Bayes</a:t>
+            </a:r>
+            <a:r>
+              <a:rPr lang="da-DK" dirty="0" smtClean="0"/>
+              <a:t> </a:t>
+            </a:r>
+            <a:r>
+              <a:rPr lang="da-DK" dirty="0" err="1" smtClean="0"/>
+              <a:t>Classifier</a:t>
+            </a:r>
+            <a:r>
+              <a:rPr lang="da-DK" dirty="0" smtClean="0"/>
+              <a:t> performs faster </a:t>
+            </a:r>
+            <a:r>
+              <a:rPr lang="da-DK" dirty="0" err="1" smtClean="0"/>
+              <a:t>than</a:t>
+            </a:r>
+            <a:r>
+              <a:rPr lang="da-DK" dirty="0" smtClean="0"/>
+              <a:t> K-</a:t>
+            </a:r>
+            <a:r>
+              <a:rPr lang="da-DK" dirty="0" err="1" smtClean="0"/>
+              <a:t>Neighbors</a:t>
+            </a:r>
+            <a:r>
+              <a:rPr lang="da-DK" dirty="0" smtClean="0"/>
+              <a:t>, but </a:t>
+            </a:r>
+            <a:r>
+              <a:rPr lang="da-DK" dirty="0" err="1" smtClean="0"/>
+              <a:t>they</a:t>
+            </a:r>
+            <a:r>
+              <a:rPr lang="da-DK" dirty="0" smtClean="0"/>
+              <a:t> show the same </a:t>
+            </a:r>
+            <a:r>
+              <a:rPr lang="da-DK" dirty="0" err="1" smtClean="0"/>
+              <a:t>accuracy</a:t>
+            </a:r>
+            <a:r>
+              <a:rPr lang="da-DK" dirty="0" smtClean="0"/>
+              <a:t>.</a:t>
+            </a:r>
+          </a:p>
+          <a:p>
+            <a:r>
+              <a:rPr lang="da-DK" dirty="0" smtClean="0"/>
+              <a:t>Regression is not the right </a:t>
+            </a:r>
+            <a:r>
+              <a:rPr lang="da-DK" dirty="0" err="1" smtClean="0"/>
+              <a:t>way</a:t>
+            </a:r>
+            <a:r>
+              <a:rPr lang="da-DK" dirty="0" smtClean="0"/>
+              <a:t> to go for the </a:t>
+            </a:r>
+            <a:r>
+              <a:rPr lang="da-DK" dirty="0" err="1" smtClean="0"/>
+              <a:t>question</a:t>
+            </a:r>
+            <a:r>
+              <a:rPr lang="da-DK" dirty="0" smtClean="0"/>
+              <a:t>.</a:t>
+            </a:r>
+          </a:p>
+          <a:p>
+            <a:r>
+              <a:rPr lang="da-DK" dirty="0" smtClean="0"/>
+              <a:t>I </a:t>
+            </a:r>
+            <a:r>
+              <a:rPr lang="da-DK" dirty="0" err="1" smtClean="0"/>
+              <a:t>got</a:t>
+            </a:r>
+            <a:r>
+              <a:rPr lang="da-DK" dirty="0" smtClean="0"/>
+              <a:t> </a:t>
+            </a:r>
+            <a:r>
+              <a:rPr lang="da-DK" dirty="0" err="1" smtClean="0"/>
+              <a:t>promising</a:t>
+            </a:r>
+            <a:r>
+              <a:rPr lang="da-DK" dirty="0" smtClean="0"/>
+              <a:t> </a:t>
+            </a:r>
+            <a:r>
+              <a:rPr lang="da-DK" dirty="0" err="1" smtClean="0"/>
+              <a:t>results</a:t>
+            </a:r>
+            <a:r>
+              <a:rPr lang="da-DK" dirty="0" smtClean="0"/>
+              <a:t> that shows that it </a:t>
+            </a:r>
+            <a:r>
+              <a:rPr lang="da-DK" dirty="0" err="1" smtClean="0"/>
+              <a:t>might</a:t>
+            </a:r>
+            <a:r>
+              <a:rPr lang="da-DK" dirty="0" smtClean="0"/>
+              <a:t> </a:t>
+            </a:r>
+            <a:r>
+              <a:rPr lang="da-DK" dirty="0" err="1" smtClean="0"/>
+              <a:t>be</a:t>
+            </a:r>
+            <a:r>
+              <a:rPr lang="da-DK" dirty="0" smtClean="0"/>
+              <a:t> </a:t>
+            </a:r>
+            <a:r>
+              <a:rPr lang="da-DK" dirty="0" err="1" smtClean="0"/>
+              <a:t>possible</a:t>
+            </a:r>
+            <a:r>
+              <a:rPr lang="da-DK" dirty="0" smtClean="0"/>
+              <a:t> to </a:t>
+            </a:r>
+            <a:r>
+              <a:rPr lang="da-DK" dirty="0" err="1" smtClean="0"/>
+              <a:t>predict</a:t>
+            </a:r>
+            <a:r>
+              <a:rPr lang="da-DK" dirty="0" smtClean="0"/>
+              <a:t> </a:t>
+            </a:r>
+            <a:r>
+              <a:rPr lang="da-DK" dirty="0" err="1" smtClean="0"/>
+              <a:t>which</a:t>
+            </a:r>
+            <a:r>
+              <a:rPr lang="da-DK" dirty="0" smtClean="0"/>
+              <a:t> diet a person is </a:t>
+            </a:r>
+            <a:r>
+              <a:rPr lang="da-DK" dirty="0" err="1" smtClean="0"/>
+              <a:t>having</a:t>
+            </a:r>
+            <a:r>
+              <a:rPr lang="da-DK" dirty="0" smtClean="0"/>
+              <a:t>, by </a:t>
+            </a:r>
+            <a:r>
+              <a:rPr lang="da-DK" dirty="0" err="1" smtClean="0"/>
+              <a:t>using</a:t>
+            </a:r>
+            <a:r>
+              <a:rPr lang="da-DK" dirty="0" smtClean="0"/>
+              <a:t> </a:t>
+            </a:r>
+            <a:r>
+              <a:rPr lang="da-DK" dirty="0" err="1" smtClean="0"/>
+              <a:t>other</a:t>
+            </a:r>
+            <a:r>
+              <a:rPr lang="da-DK" dirty="0" smtClean="0"/>
+              <a:t> data from the dataset.</a:t>
+            </a:r>
+          </a:p>
+          <a:p>
+            <a:r>
+              <a:rPr lang="da-DK" dirty="0" smtClean="0"/>
+              <a:t>I </a:t>
+            </a:r>
+            <a:r>
+              <a:rPr lang="da-DK" dirty="0" err="1" smtClean="0"/>
+              <a:t>would</a:t>
+            </a:r>
+            <a:r>
+              <a:rPr lang="da-DK" dirty="0" smtClean="0"/>
+              <a:t> </a:t>
+            </a:r>
+            <a:r>
+              <a:rPr lang="da-DK" dirty="0" err="1" smtClean="0"/>
+              <a:t>therefore</a:t>
+            </a:r>
+            <a:r>
+              <a:rPr lang="da-DK" dirty="0" smtClean="0"/>
+              <a:t> go on with the Naive </a:t>
+            </a:r>
+            <a:r>
+              <a:rPr lang="da-DK" dirty="0" err="1" smtClean="0"/>
+              <a:t>Bayes</a:t>
+            </a:r>
+            <a:r>
+              <a:rPr lang="da-DK" dirty="0" smtClean="0"/>
+              <a:t> </a:t>
+            </a:r>
+            <a:r>
+              <a:rPr lang="da-DK" dirty="0" err="1" smtClean="0"/>
+              <a:t>Classifier</a:t>
+            </a:r>
+            <a:r>
+              <a:rPr lang="da-DK" dirty="0" smtClean="0"/>
+              <a:t> and look </a:t>
+            </a:r>
+            <a:r>
+              <a:rPr lang="da-DK" dirty="0" err="1" smtClean="0"/>
+              <a:t>into</a:t>
+            </a:r>
+            <a:r>
+              <a:rPr lang="da-DK" dirty="0" smtClean="0"/>
+              <a:t> </a:t>
+            </a:r>
+            <a:r>
+              <a:rPr lang="da-DK" dirty="0" err="1" smtClean="0"/>
+              <a:t>which</a:t>
+            </a:r>
+            <a:r>
+              <a:rPr lang="da-DK" dirty="0" smtClean="0"/>
+              <a:t> </a:t>
+            </a:r>
+            <a:r>
+              <a:rPr lang="da-DK" dirty="0" err="1" smtClean="0"/>
+              <a:t>other</a:t>
+            </a:r>
+            <a:r>
+              <a:rPr lang="da-DK" dirty="0" smtClean="0"/>
+              <a:t> data I </a:t>
+            </a:r>
+            <a:r>
+              <a:rPr lang="da-DK" dirty="0" err="1" smtClean="0"/>
+              <a:t>could</a:t>
+            </a:r>
+            <a:r>
+              <a:rPr lang="da-DK" dirty="0" smtClean="0"/>
+              <a:t> </a:t>
+            </a:r>
+            <a:r>
+              <a:rPr lang="da-DK" dirty="0" err="1" smtClean="0"/>
+              <a:t>use</a:t>
+            </a:r>
+            <a:r>
+              <a:rPr lang="da-DK" dirty="0" smtClean="0"/>
+              <a:t> to </a:t>
+            </a:r>
+            <a:r>
+              <a:rPr lang="da-DK" dirty="0" err="1" smtClean="0"/>
+              <a:t>make</a:t>
+            </a:r>
+            <a:r>
+              <a:rPr lang="da-DK" dirty="0" smtClean="0"/>
+              <a:t> it </a:t>
+            </a:r>
+            <a:r>
+              <a:rPr lang="da-DK" dirty="0" err="1" smtClean="0"/>
+              <a:t>better</a:t>
+            </a:r>
+            <a:r>
+              <a:rPr lang="da-DK" dirty="0" smtClean="0"/>
+              <a:t> and give </a:t>
+            </a:r>
+            <a:r>
+              <a:rPr lang="da-DK" dirty="0" err="1" smtClean="0"/>
+              <a:t>better</a:t>
+            </a:r>
+            <a:r>
+              <a:rPr lang="da-DK" dirty="0" smtClean="0"/>
+              <a:t> </a:t>
+            </a:r>
+            <a:r>
+              <a:rPr lang="da-DK" dirty="0" err="1" smtClean="0"/>
+              <a:t>accuracy</a:t>
+            </a:r>
+            <a:r>
+              <a:rPr lang="da-DK" smtClean="0"/>
+              <a:t>.</a:t>
+            </a:r>
+            <a:endParaRPr lang="da-DK" dirty="0"/>
+          </a:p>
+        </p:txBody>
+      </p:sp>
+    </p:spTree>
+    <p:extLst>
+      <p:ext uri="{BB962C8B-B14F-4D97-AF65-F5344CB8AC3E}">
+        <p14:creationId xmlns:p14="http://schemas.microsoft.com/office/powerpoint/2010/main" val="3765141651"/>
+      </p:ext>
+    </p:extLst>
+  </p:cSld>
+  <p:clrMapOvr>
+    <a:masterClrMapping/>
+  </p:clrMapOvr>
+</p:sld>
+</file>
+
 <file path=ppt/slides/slide2.xml><?xml version="1.0" encoding="utf-8"?>
 <p:sld xmlns:a="http://schemas.openxmlformats.org/drawingml/2006/main" xmlns:r="http://schemas.openxmlformats.org/officeDocument/2006/relationships" xmlns:p="http://schemas.openxmlformats.org/presentationml/2006/main">
   <p:cSld>
@@ -3679,7 +4439,9 @@
           </a:xfrm>
         </p:spPr>
         <p:txBody>
-          <a:bodyPr/>
+          <a:bodyPr>
+            <a:normAutofit fontScale="92500" lnSpcReduction="20000"/>
+          </a:bodyPr>
           <a:lstStyle/>
           <a:p>
             <a:r>
@@ -3690,11 +4452,7 @@
           <a:p>
             <a:r>
               <a:rPr lang="en-US" dirty="0" smtClean="0"/>
-              <a:t>Question </a:t>
-            </a:r>
-            <a:r>
-              <a:rPr lang="en-US" dirty="0" smtClean="0"/>
-              <a:t>to Answer</a:t>
+              <a:t>Question to Answer</a:t>
             </a:r>
           </a:p>
           <a:p>
@@ -3712,8 +4470,19 @@
           <a:p>
             <a:r>
               <a:rPr lang="en-US" dirty="0" smtClean="0"/>
-              <a:t>Regression Approaches</a:t>
-            </a:r>
+              <a:t>Regression </a:t>
+            </a:r>
+            <a:r>
+              <a:rPr lang="en-US" dirty="0" smtClean="0"/>
+              <a:t>Approaches</a:t>
+            </a:r>
+          </a:p>
+          <a:p>
+            <a:r>
+              <a:rPr lang="en-US" dirty="0" smtClean="0"/>
+              <a:t>Best K</a:t>
+            </a:r>
+            <a:endParaRPr lang="en-US" dirty="0" smtClean="0"/>
           </a:p>
           <a:p>
             <a:r>
@@ -5716,6 +6485,1017 @@
     <p:extLst>
       <p:ext uri="{BB962C8B-B14F-4D97-AF65-F5344CB8AC3E}">
         <p14:creationId xmlns:p14="http://schemas.microsoft.com/office/powerpoint/2010/main" val="4102536553"/>
+      </p:ext>
+    </p:extLst>
+  </p:cSld>
+  <p:clrMapOvr>
+    <a:masterClrMapping/>
+  </p:clrMapOvr>
+</p:sld>
+</file>
+
+<file path=ppt/slides/slide8.xml><?xml version="1.0" encoding="utf-8"?>
+<p:sld xmlns:a="http://schemas.openxmlformats.org/drawingml/2006/main" xmlns:r="http://schemas.openxmlformats.org/officeDocument/2006/relationships" xmlns:p="http://schemas.openxmlformats.org/presentationml/2006/main">
+  <p:cSld>
+    <p:spTree>
+      <p:nvGrpSpPr>
+        <p:cNvPr id="1" name=""/>
+        <p:cNvGrpSpPr/>
+        <p:nvPr/>
+      </p:nvGrpSpPr>
+      <p:grpSpPr>
+        <a:xfrm>
+          <a:off x="0" y="0"/>
+          <a:ext cx="0" cy="0"/>
+          <a:chOff x="0" y="0"/>
+          <a:chExt cx="0" cy="0"/>
+        </a:xfrm>
+      </p:grpSpPr>
+      <p:sp>
+        <p:nvSpPr>
+          <p:cNvPr id="2" name="Title 1"/>
+          <p:cNvSpPr>
+            <a:spLocks noGrp="1"/>
+          </p:cNvSpPr>
+          <p:nvPr>
+            <p:ph type="title"/>
+          </p:nvPr>
+        </p:nvSpPr>
+        <p:spPr/>
+        <p:txBody>
+          <a:bodyPr/>
+          <a:lstStyle/>
+          <a:p>
+            <a:r>
+              <a:rPr lang="en-US" dirty="0"/>
+              <a:t>Classification </a:t>
+            </a:r>
+            <a:r>
+              <a:rPr lang="en-US" dirty="0" smtClean="0"/>
+              <a:t>Approaches</a:t>
+            </a:r>
+            <a:endParaRPr lang="da-DK" dirty="0"/>
+          </a:p>
+        </p:txBody>
+      </p:sp>
+      <p:sp>
+        <p:nvSpPr>
+          <p:cNvPr id="3" name="Content Placeholder 2"/>
+          <p:cNvSpPr>
+            <a:spLocks noGrp="1"/>
+          </p:cNvSpPr>
+          <p:nvPr>
+            <p:ph sz="half" idx="2"/>
+          </p:nvPr>
+        </p:nvSpPr>
+        <p:spPr>
+          <a:xfrm>
+            <a:off x="6172200" y="1825625"/>
+            <a:ext cx="5181600" cy="1665720"/>
+          </a:xfrm>
+        </p:spPr>
+        <p:txBody>
+          <a:bodyPr/>
+          <a:lstStyle/>
+          <a:p>
+            <a:pPr marL="0" indent="0">
+              <a:buNone/>
+            </a:pPr>
+            <a:r>
+              <a:rPr lang="da-DK" b="1" dirty="0" smtClean="0"/>
+              <a:t>K-</a:t>
+            </a:r>
+            <a:r>
+              <a:rPr lang="da-DK" b="1" dirty="0" err="1" smtClean="0"/>
+              <a:t>Neighbors</a:t>
+            </a:r>
+            <a:r>
+              <a:rPr lang="da-DK" b="1" dirty="0" smtClean="0"/>
+              <a:t> </a:t>
+            </a:r>
+            <a:r>
+              <a:rPr lang="da-DK" b="1" dirty="0" err="1" smtClean="0"/>
+              <a:t>Classifier</a:t>
+            </a:r>
+            <a:endParaRPr lang="da-DK" b="1" dirty="0" smtClean="0"/>
+          </a:p>
+          <a:p>
+            <a:r>
+              <a:rPr lang="da-DK" sz="1800" dirty="0"/>
+              <a:t>Training </a:t>
+            </a:r>
+            <a:r>
+              <a:rPr lang="da-DK" sz="1800" dirty="0" err="1"/>
+              <a:t>runtime</a:t>
+            </a:r>
+            <a:r>
+              <a:rPr lang="da-DK" sz="1800" dirty="0"/>
+              <a:t>: </a:t>
+            </a:r>
+            <a:r>
+              <a:rPr lang="da-DK" sz="1800" dirty="0" smtClean="0"/>
+              <a:t>0.0837s</a:t>
+            </a:r>
+            <a:endParaRPr lang="da-DK" sz="1800" dirty="0"/>
+          </a:p>
+          <a:p>
+            <a:r>
+              <a:rPr lang="da-DK" sz="1800" dirty="0" err="1"/>
+              <a:t>Predicting</a:t>
+            </a:r>
+            <a:r>
+              <a:rPr lang="da-DK" sz="1800" dirty="0"/>
+              <a:t> </a:t>
+            </a:r>
+            <a:r>
+              <a:rPr lang="da-DK" sz="1800" dirty="0" err="1"/>
+              <a:t>runtime</a:t>
+            </a:r>
+            <a:r>
+              <a:rPr lang="da-DK" sz="1800" dirty="0"/>
+              <a:t>: </a:t>
+            </a:r>
+            <a:r>
+              <a:rPr lang="da-DK" sz="1800" dirty="0" smtClean="0"/>
+              <a:t>0.3880s</a:t>
+            </a:r>
+            <a:endParaRPr lang="da-DK" sz="1800" dirty="0"/>
+          </a:p>
+          <a:p>
+            <a:r>
+              <a:rPr lang="da-DK" sz="1800" dirty="0" err="1"/>
+              <a:t>Accuracy</a:t>
+            </a:r>
+            <a:r>
+              <a:rPr lang="da-DK" sz="1800" dirty="0"/>
+              <a:t>: 48,18%</a:t>
+            </a:r>
+            <a:endParaRPr lang="da-DK" b="1" dirty="0"/>
+          </a:p>
+        </p:txBody>
+      </p:sp>
+      <p:sp>
+        <p:nvSpPr>
+          <p:cNvPr id="4" name="Content Placeholder 3"/>
+          <p:cNvSpPr>
+            <a:spLocks noGrp="1"/>
+          </p:cNvSpPr>
+          <p:nvPr>
+            <p:ph sz="half" idx="1"/>
+          </p:nvPr>
+        </p:nvSpPr>
+        <p:spPr>
+          <a:xfrm>
+            <a:off x="838200" y="1825625"/>
+            <a:ext cx="5334000" cy="1665720"/>
+          </a:xfrm>
+        </p:spPr>
+        <p:txBody>
+          <a:bodyPr/>
+          <a:lstStyle/>
+          <a:p>
+            <a:pPr marL="0" indent="0">
+              <a:buNone/>
+            </a:pPr>
+            <a:r>
+              <a:rPr lang="da-DK" b="1" dirty="0" err="1" smtClean="0"/>
+              <a:t>Multinomial</a:t>
+            </a:r>
+            <a:r>
+              <a:rPr lang="da-DK" b="1" dirty="0" smtClean="0"/>
+              <a:t> Naive </a:t>
+            </a:r>
+            <a:r>
+              <a:rPr lang="da-DK" b="1" dirty="0" err="1" smtClean="0"/>
+              <a:t>Bayes</a:t>
+            </a:r>
+            <a:r>
+              <a:rPr lang="da-DK" b="1" dirty="0" smtClean="0"/>
+              <a:t> </a:t>
+            </a:r>
+            <a:r>
+              <a:rPr lang="da-DK" b="1" dirty="0" err="1" smtClean="0"/>
+              <a:t>Classifier</a:t>
+            </a:r>
+            <a:endParaRPr lang="da-DK" b="1" dirty="0" smtClean="0"/>
+          </a:p>
+          <a:p>
+            <a:r>
+              <a:rPr lang="da-DK" sz="1800" dirty="0" smtClean="0"/>
+              <a:t>Training </a:t>
+            </a:r>
+            <a:r>
+              <a:rPr lang="da-DK" sz="1800" dirty="0" err="1" smtClean="0"/>
+              <a:t>runtime</a:t>
+            </a:r>
+            <a:r>
+              <a:rPr lang="da-DK" sz="1800" dirty="0" smtClean="0"/>
+              <a:t>: 0.0591s</a:t>
+            </a:r>
+          </a:p>
+          <a:p>
+            <a:r>
+              <a:rPr lang="da-DK" sz="1800" dirty="0" err="1" smtClean="0"/>
+              <a:t>Predicting</a:t>
+            </a:r>
+            <a:r>
+              <a:rPr lang="da-DK" sz="1800" dirty="0" smtClean="0"/>
+              <a:t> </a:t>
+            </a:r>
+            <a:r>
+              <a:rPr lang="da-DK" sz="1800" dirty="0" err="1" smtClean="0"/>
+              <a:t>runtime</a:t>
+            </a:r>
+            <a:r>
+              <a:rPr lang="da-DK" sz="1800" dirty="0" smtClean="0"/>
+              <a:t>: 0.0025s</a:t>
+            </a:r>
+          </a:p>
+          <a:p>
+            <a:r>
+              <a:rPr lang="da-DK" sz="1800" dirty="0" err="1" smtClean="0"/>
+              <a:t>Accuracy</a:t>
+            </a:r>
+            <a:r>
+              <a:rPr lang="da-DK" sz="1800" dirty="0" smtClean="0"/>
+              <a:t>: 48,18%</a:t>
+            </a:r>
+            <a:endParaRPr lang="da-DK" sz="1800" dirty="0"/>
+          </a:p>
+        </p:txBody>
+      </p:sp>
+      <p:sp>
+        <p:nvSpPr>
+          <p:cNvPr id="7" name="TextBox 6"/>
+          <p:cNvSpPr txBox="1"/>
+          <p:nvPr/>
+        </p:nvSpPr>
+        <p:spPr>
+          <a:xfrm>
+            <a:off x="914400" y="4184072"/>
+            <a:ext cx="10547927" cy="1754326"/>
+          </a:xfrm>
+          <a:prstGeom prst="rect">
+            <a:avLst/>
+          </a:prstGeom>
+          <a:noFill/>
+        </p:spPr>
+        <p:txBody>
+          <a:bodyPr wrap="square" rtlCol="0">
+            <a:spAutoFit/>
+          </a:bodyPr>
+          <a:lstStyle/>
+          <a:p>
+            <a:r>
+              <a:rPr lang="da-DK" dirty="0" smtClean="0"/>
+              <a:t>I do </a:t>
+            </a:r>
+            <a:r>
+              <a:rPr lang="da-DK" dirty="0" err="1" smtClean="0"/>
+              <a:t>predictions</a:t>
+            </a:r>
+            <a:r>
+              <a:rPr lang="da-DK" dirty="0" smtClean="0"/>
+              <a:t> on </a:t>
+            </a:r>
+            <a:r>
+              <a:rPr lang="da-DK" dirty="0" err="1" smtClean="0"/>
+              <a:t>classification</a:t>
+            </a:r>
+            <a:r>
+              <a:rPr lang="da-DK" dirty="0" smtClean="0"/>
+              <a:t> by </a:t>
+            </a:r>
+            <a:r>
+              <a:rPr lang="da-DK" dirty="0" err="1" smtClean="0"/>
+              <a:t>using</a:t>
+            </a:r>
+            <a:r>
+              <a:rPr lang="da-DK" dirty="0" smtClean="0"/>
+              <a:t> Naive </a:t>
+            </a:r>
+            <a:r>
+              <a:rPr lang="da-DK" dirty="0" err="1" smtClean="0"/>
+              <a:t>Bayes</a:t>
+            </a:r>
+            <a:r>
+              <a:rPr lang="da-DK" dirty="0" smtClean="0"/>
+              <a:t> </a:t>
+            </a:r>
+            <a:r>
+              <a:rPr lang="da-DK" dirty="0" err="1" smtClean="0"/>
+              <a:t>Classifier</a:t>
+            </a:r>
+            <a:r>
+              <a:rPr lang="da-DK" dirty="0" smtClean="0"/>
+              <a:t> vs. K-</a:t>
+            </a:r>
+            <a:r>
+              <a:rPr lang="da-DK" dirty="0" err="1" smtClean="0"/>
+              <a:t>Neighbors</a:t>
+            </a:r>
+            <a:r>
+              <a:rPr lang="da-DK" dirty="0" smtClean="0"/>
+              <a:t> </a:t>
+            </a:r>
+            <a:r>
+              <a:rPr lang="da-DK" dirty="0" err="1" smtClean="0"/>
+              <a:t>Classifier</a:t>
+            </a:r>
+            <a:r>
+              <a:rPr lang="da-DK" dirty="0" smtClean="0"/>
+              <a:t>. </a:t>
+            </a:r>
+            <a:r>
+              <a:rPr lang="da-DK" dirty="0" err="1" smtClean="0"/>
+              <a:t>Both</a:t>
+            </a:r>
+            <a:r>
+              <a:rPr lang="da-DK" dirty="0" smtClean="0"/>
+              <a:t> </a:t>
+            </a:r>
+            <a:r>
+              <a:rPr lang="da-DK" dirty="0" err="1" smtClean="0"/>
+              <a:t>classifiers</a:t>
+            </a:r>
+            <a:r>
+              <a:rPr lang="da-DK" dirty="0" smtClean="0"/>
+              <a:t> </a:t>
+            </a:r>
+            <a:r>
+              <a:rPr lang="da-DK" dirty="0" err="1" smtClean="0"/>
+              <a:t>came</a:t>
+            </a:r>
+            <a:r>
+              <a:rPr lang="da-DK" dirty="0" smtClean="0"/>
+              <a:t> up to the same </a:t>
+            </a:r>
+            <a:r>
+              <a:rPr lang="da-DK" dirty="0" err="1" smtClean="0"/>
+              <a:t>accuracy</a:t>
+            </a:r>
+            <a:r>
+              <a:rPr lang="da-DK" dirty="0" smtClean="0"/>
+              <a:t>, </a:t>
+            </a:r>
+            <a:r>
+              <a:rPr lang="da-DK" dirty="0" err="1" smtClean="0"/>
+              <a:t>after</a:t>
+            </a:r>
+            <a:r>
+              <a:rPr lang="da-DK" dirty="0" smtClean="0"/>
+              <a:t> </a:t>
+            </a:r>
+            <a:r>
+              <a:rPr lang="da-DK" dirty="0" err="1" smtClean="0"/>
+              <a:t>predicting</a:t>
+            </a:r>
+            <a:r>
+              <a:rPr lang="da-DK" dirty="0" smtClean="0"/>
+              <a:t> on a </a:t>
+            </a:r>
+            <a:r>
+              <a:rPr lang="da-DK" dirty="0" err="1" smtClean="0"/>
+              <a:t>random</a:t>
+            </a:r>
+            <a:r>
+              <a:rPr lang="da-DK" dirty="0" smtClean="0"/>
+              <a:t> </a:t>
+            </a:r>
+            <a:r>
+              <a:rPr lang="da-DK" dirty="0" err="1" smtClean="0"/>
+              <a:t>training</a:t>
+            </a:r>
+            <a:r>
+              <a:rPr lang="da-DK" dirty="0" smtClean="0"/>
+              <a:t>/</a:t>
+            </a:r>
+            <a:r>
+              <a:rPr lang="da-DK" dirty="0" err="1" smtClean="0"/>
+              <a:t>validation</a:t>
+            </a:r>
+            <a:r>
+              <a:rPr lang="da-DK" dirty="0" smtClean="0"/>
+              <a:t> set. The </a:t>
+            </a:r>
+            <a:r>
+              <a:rPr lang="da-DK" dirty="0" err="1" smtClean="0"/>
+              <a:t>runtime</a:t>
+            </a:r>
+            <a:r>
+              <a:rPr lang="da-DK" dirty="0" smtClean="0"/>
+              <a:t> </a:t>
+            </a:r>
+            <a:r>
+              <a:rPr lang="da-DK" dirty="0" err="1" smtClean="0"/>
+              <a:t>however</a:t>
+            </a:r>
+            <a:r>
+              <a:rPr lang="da-DK" dirty="0" smtClean="0"/>
+              <a:t> </a:t>
+            </a:r>
+            <a:r>
+              <a:rPr lang="da-DK" dirty="0" err="1" smtClean="0"/>
+              <a:t>clearly</a:t>
+            </a:r>
+            <a:r>
+              <a:rPr lang="da-DK" dirty="0" smtClean="0"/>
+              <a:t> shows that the Naive </a:t>
+            </a:r>
+            <a:r>
+              <a:rPr lang="da-DK" dirty="0" err="1" smtClean="0"/>
+              <a:t>Bayes</a:t>
+            </a:r>
+            <a:r>
+              <a:rPr lang="da-DK" dirty="0" smtClean="0"/>
+              <a:t> </a:t>
+            </a:r>
+            <a:r>
+              <a:rPr lang="da-DK" dirty="0" err="1" smtClean="0"/>
+              <a:t>Classifier</a:t>
+            </a:r>
+            <a:r>
+              <a:rPr lang="da-DK" dirty="0" smtClean="0"/>
+              <a:t> is </a:t>
+            </a:r>
+            <a:r>
+              <a:rPr lang="da-DK" dirty="0" err="1" smtClean="0"/>
+              <a:t>both</a:t>
+            </a:r>
+            <a:r>
+              <a:rPr lang="da-DK" dirty="0" smtClean="0"/>
+              <a:t> faster at </a:t>
+            </a:r>
+            <a:r>
+              <a:rPr lang="da-DK" dirty="0" err="1" smtClean="0"/>
+              <a:t>training</a:t>
+            </a:r>
+            <a:r>
+              <a:rPr lang="da-DK" dirty="0" smtClean="0"/>
+              <a:t> and </a:t>
+            </a:r>
+            <a:r>
+              <a:rPr lang="da-DK" dirty="0" err="1" smtClean="0"/>
+              <a:t>predicting</a:t>
+            </a:r>
+            <a:r>
+              <a:rPr lang="da-DK" dirty="0" smtClean="0"/>
+              <a:t>. It is </a:t>
+            </a:r>
+            <a:r>
+              <a:rPr lang="da-DK" dirty="0" err="1" smtClean="0"/>
+              <a:t>significantly</a:t>
+            </a:r>
+            <a:r>
+              <a:rPr lang="da-DK" dirty="0" smtClean="0"/>
+              <a:t> faster at </a:t>
+            </a:r>
+            <a:r>
+              <a:rPr lang="da-DK" dirty="0" err="1" smtClean="0"/>
+              <a:t>predicting</a:t>
+            </a:r>
+            <a:r>
+              <a:rPr lang="da-DK" dirty="0" smtClean="0"/>
+              <a:t>, </a:t>
+            </a:r>
+            <a:r>
+              <a:rPr lang="da-DK" dirty="0" err="1" smtClean="0"/>
+              <a:t>which</a:t>
+            </a:r>
+            <a:r>
+              <a:rPr lang="da-DK" dirty="0" smtClean="0"/>
+              <a:t> is </a:t>
+            </a:r>
+            <a:r>
+              <a:rPr lang="da-DK" dirty="0" err="1" smtClean="0"/>
+              <a:t>why</a:t>
+            </a:r>
+            <a:r>
+              <a:rPr lang="da-DK" dirty="0" smtClean="0"/>
+              <a:t> the </a:t>
+            </a:r>
+            <a:r>
+              <a:rPr lang="da-DK" dirty="0" err="1" smtClean="0"/>
+              <a:t>preferred</a:t>
+            </a:r>
+            <a:r>
+              <a:rPr lang="da-DK" dirty="0" smtClean="0"/>
+              <a:t> </a:t>
+            </a:r>
+            <a:r>
+              <a:rPr lang="da-DK" dirty="0" err="1" smtClean="0"/>
+              <a:t>classifier</a:t>
+            </a:r>
+            <a:r>
+              <a:rPr lang="da-DK" dirty="0" smtClean="0"/>
+              <a:t> </a:t>
+            </a:r>
+            <a:r>
+              <a:rPr lang="da-DK" dirty="0" err="1" smtClean="0"/>
+              <a:t>would</a:t>
+            </a:r>
+            <a:r>
+              <a:rPr lang="da-DK" dirty="0" smtClean="0"/>
+              <a:t> </a:t>
+            </a:r>
+            <a:r>
+              <a:rPr lang="da-DK" dirty="0" err="1" smtClean="0"/>
+              <a:t>be</a:t>
+            </a:r>
+            <a:r>
+              <a:rPr lang="da-DK" dirty="0" smtClean="0"/>
+              <a:t> Naive </a:t>
+            </a:r>
+            <a:r>
+              <a:rPr lang="da-DK" dirty="0" err="1" smtClean="0"/>
+              <a:t>Bayes</a:t>
+            </a:r>
+            <a:r>
+              <a:rPr lang="da-DK" dirty="0" smtClean="0"/>
+              <a:t>.</a:t>
+            </a:r>
+          </a:p>
+          <a:p>
+            <a:endParaRPr lang="da-DK" dirty="0"/>
+          </a:p>
+          <a:p>
+            <a:r>
+              <a:rPr lang="da-DK" dirty="0" smtClean="0"/>
+              <a:t>The </a:t>
+            </a:r>
+            <a:r>
+              <a:rPr lang="da-DK" dirty="0" err="1" smtClean="0"/>
+              <a:t>results</a:t>
+            </a:r>
+            <a:r>
+              <a:rPr lang="da-DK" dirty="0" smtClean="0"/>
+              <a:t> shows that I am on the right </a:t>
+            </a:r>
+            <a:r>
+              <a:rPr lang="da-DK" dirty="0" err="1" smtClean="0"/>
+              <a:t>way</a:t>
+            </a:r>
+            <a:r>
+              <a:rPr lang="da-DK" dirty="0" smtClean="0"/>
+              <a:t>, by </a:t>
+            </a:r>
+            <a:r>
+              <a:rPr lang="da-DK" dirty="0" err="1" smtClean="0"/>
+              <a:t>using</a:t>
+            </a:r>
+            <a:r>
+              <a:rPr lang="da-DK" dirty="0" smtClean="0"/>
+              <a:t> the </a:t>
+            </a:r>
+            <a:r>
+              <a:rPr lang="da-DK" dirty="0" err="1" smtClean="0"/>
+              <a:t>select</a:t>
+            </a:r>
+            <a:r>
+              <a:rPr lang="da-DK" dirty="0" smtClean="0"/>
+              <a:t> data to </a:t>
+            </a:r>
+            <a:r>
+              <a:rPr lang="da-DK" dirty="0" err="1" smtClean="0"/>
+              <a:t>try</a:t>
+            </a:r>
+            <a:r>
+              <a:rPr lang="da-DK" dirty="0" smtClean="0"/>
+              <a:t> to </a:t>
+            </a:r>
+            <a:r>
+              <a:rPr lang="da-DK" dirty="0" err="1" smtClean="0"/>
+              <a:t>predict</a:t>
+            </a:r>
+            <a:r>
+              <a:rPr lang="da-DK" dirty="0" smtClean="0"/>
+              <a:t> with </a:t>
+            </a:r>
+            <a:r>
+              <a:rPr lang="da-DK" dirty="0" err="1" smtClean="0"/>
+              <a:t>classification</a:t>
+            </a:r>
+            <a:r>
+              <a:rPr lang="da-DK" dirty="0" smtClean="0"/>
+              <a:t>.</a:t>
+            </a:r>
+            <a:endParaRPr lang="da-DK" dirty="0"/>
+          </a:p>
+        </p:txBody>
+      </p:sp>
+    </p:spTree>
+    <p:extLst>
+      <p:ext uri="{BB962C8B-B14F-4D97-AF65-F5344CB8AC3E}">
+        <p14:creationId xmlns:p14="http://schemas.microsoft.com/office/powerpoint/2010/main" val="1062837630"/>
+      </p:ext>
+    </p:extLst>
+  </p:cSld>
+  <p:clrMapOvr>
+    <a:masterClrMapping/>
+  </p:clrMapOvr>
+</p:sld>
+</file>
+
+<file path=ppt/slides/slide9.xml><?xml version="1.0" encoding="utf-8"?>
+<p:sld xmlns:a="http://schemas.openxmlformats.org/drawingml/2006/main" xmlns:r="http://schemas.openxmlformats.org/officeDocument/2006/relationships" xmlns:p="http://schemas.openxmlformats.org/presentationml/2006/main">
+  <p:cSld>
+    <p:spTree>
+      <p:nvGrpSpPr>
+        <p:cNvPr id="1" name=""/>
+        <p:cNvGrpSpPr/>
+        <p:nvPr/>
+      </p:nvGrpSpPr>
+      <p:grpSpPr>
+        <a:xfrm>
+          <a:off x="0" y="0"/>
+          <a:ext cx="0" cy="0"/>
+          <a:chOff x="0" y="0"/>
+          <a:chExt cx="0" cy="0"/>
+        </a:xfrm>
+      </p:grpSpPr>
+      <p:sp>
+        <p:nvSpPr>
+          <p:cNvPr id="2" name="Title 1"/>
+          <p:cNvSpPr>
+            <a:spLocks noGrp="1"/>
+          </p:cNvSpPr>
+          <p:nvPr>
+            <p:ph type="title"/>
+          </p:nvPr>
+        </p:nvSpPr>
+        <p:spPr/>
+        <p:txBody>
+          <a:bodyPr/>
+          <a:lstStyle/>
+          <a:p>
+            <a:r>
+              <a:rPr lang="en-US" dirty="0" smtClean="0"/>
+              <a:t>Regression Approaches</a:t>
+            </a:r>
+            <a:endParaRPr lang="da-DK" dirty="0"/>
+          </a:p>
+        </p:txBody>
+      </p:sp>
+      <p:sp>
+        <p:nvSpPr>
+          <p:cNvPr id="3" name="Content Placeholder 2"/>
+          <p:cNvSpPr>
+            <a:spLocks noGrp="1"/>
+          </p:cNvSpPr>
+          <p:nvPr>
+            <p:ph sz="half" idx="2"/>
+          </p:nvPr>
+        </p:nvSpPr>
+        <p:spPr>
+          <a:xfrm>
+            <a:off x="6172200" y="1825625"/>
+            <a:ext cx="5181600" cy="1665720"/>
+          </a:xfrm>
+        </p:spPr>
+        <p:txBody>
+          <a:bodyPr/>
+          <a:lstStyle/>
+          <a:p>
+            <a:pPr marL="0" indent="0">
+              <a:buNone/>
+            </a:pPr>
+            <a:r>
+              <a:rPr lang="da-DK" b="1" dirty="0" smtClean="0"/>
+              <a:t>K-</a:t>
+            </a:r>
+            <a:r>
+              <a:rPr lang="da-DK" b="1" dirty="0" err="1" smtClean="0"/>
+              <a:t>Neighbors</a:t>
+            </a:r>
+            <a:r>
+              <a:rPr lang="da-DK" b="1" dirty="0" smtClean="0"/>
+              <a:t> </a:t>
+            </a:r>
+            <a:r>
+              <a:rPr lang="da-DK" b="1" dirty="0" err="1" smtClean="0"/>
+              <a:t>Regressor</a:t>
+            </a:r>
+            <a:endParaRPr lang="da-DK" b="1" dirty="0" smtClean="0"/>
+          </a:p>
+          <a:p>
+            <a:r>
+              <a:rPr lang="da-DK" sz="1800" dirty="0"/>
+              <a:t>Training </a:t>
+            </a:r>
+            <a:r>
+              <a:rPr lang="da-DK" sz="1800" dirty="0" err="1"/>
+              <a:t>runtime</a:t>
+            </a:r>
+            <a:r>
+              <a:rPr lang="da-DK" sz="1800" dirty="0"/>
+              <a:t>: </a:t>
+            </a:r>
+            <a:r>
+              <a:rPr lang="da-DK" sz="1800" dirty="0" smtClean="0"/>
+              <a:t>0.0532s</a:t>
+            </a:r>
+            <a:endParaRPr lang="da-DK" sz="1800" dirty="0"/>
+          </a:p>
+          <a:p>
+            <a:r>
+              <a:rPr lang="da-DK" sz="1800" dirty="0" err="1"/>
+              <a:t>Predicting</a:t>
+            </a:r>
+            <a:r>
+              <a:rPr lang="da-DK" sz="1800" dirty="0"/>
+              <a:t> </a:t>
+            </a:r>
+            <a:r>
+              <a:rPr lang="da-DK" sz="1800" dirty="0" err="1"/>
+              <a:t>runtime</a:t>
+            </a:r>
+            <a:r>
+              <a:rPr lang="da-DK" sz="1800" dirty="0"/>
+              <a:t>: </a:t>
+            </a:r>
+            <a:r>
+              <a:rPr lang="da-DK" sz="1800" dirty="0" smtClean="0"/>
+              <a:t>0.2637s</a:t>
+            </a:r>
+            <a:endParaRPr lang="da-DK" sz="1800" dirty="0"/>
+          </a:p>
+          <a:p>
+            <a:r>
+              <a:rPr lang="da-DK" sz="1800" dirty="0" err="1"/>
+              <a:t>Accuracy</a:t>
+            </a:r>
+            <a:r>
+              <a:rPr lang="da-DK" sz="1800" dirty="0"/>
+              <a:t>: </a:t>
+            </a:r>
+            <a:r>
+              <a:rPr lang="da-DK" sz="1800" dirty="0" smtClean="0"/>
+              <a:t>00,15%</a:t>
+            </a:r>
+            <a:endParaRPr lang="da-DK" b="1" dirty="0"/>
+          </a:p>
+        </p:txBody>
+      </p:sp>
+      <p:sp>
+        <p:nvSpPr>
+          <p:cNvPr id="4" name="Content Placeholder 3"/>
+          <p:cNvSpPr>
+            <a:spLocks noGrp="1"/>
+          </p:cNvSpPr>
+          <p:nvPr>
+            <p:ph sz="half" idx="1"/>
+          </p:nvPr>
+        </p:nvSpPr>
+        <p:spPr>
+          <a:xfrm>
+            <a:off x="838200" y="1825625"/>
+            <a:ext cx="5334000" cy="1665720"/>
+          </a:xfrm>
+        </p:spPr>
+        <p:txBody>
+          <a:bodyPr/>
+          <a:lstStyle/>
+          <a:p>
+            <a:pPr marL="0" indent="0">
+              <a:buNone/>
+            </a:pPr>
+            <a:r>
+              <a:rPr lang="da-DK" b="1" dirty="0" err="1" smtClean="0"/>
+              <a:t>Linear</a:t>
+            </a:r>
+            <a:r>
+              <a:rPr lang="da-DK" b="1" dirty="0" smtClean="0"/>
+              <a:t> Regression</a:t>
+            </a:r>
+          </a:p>
+          <a:p>
+            <a:r>
+              <a:rPr lang="da-DK" sz="1800" dirty="0" smtClean="0"/>
+              <a:t>Training </a:t>
+            </a:r>
+            <a:r>
+              <a:rPr lang="da-DK" sz="1800" dirty="0" err="1" smtClean="0"/>
+              <a:t>runtime</a:t>
+            </a:r>
+            <a:r>
+              <a:rPr lang="da-DK" sz="1800" dirty="0" smtClean="0"/>
+              <a:t>: 0.002s</a:t>
+            </a:r>
+          </a:p>
+          <a:p>
+            <a:r>
+              <a:rPr lang="da-DK" sz="1800" dirty="0" err="1" smtClean="0"/>
+              <a:t>Predicting</a:t>
+            </a:r>
+            <a:r>
+              <a:rPr lang="da-DK" sz="1800" dirty="0" smtClean="0"/>
+              <a:t> </a:t>
+            </a:r>
+            <a:r>
+              <a:rPr lang="da-DK" sz="1800" dirty="0" err="1" smtClean="0"/>
+              <a:t>runtime</a:t>
+            </a:r>
+            <a:r>
+              <a:rPr lang="da-DK" sz="1800" dirty="0" smtClean="0"/>
+              <a:t>: 0.0005s</a:t>
+            </a:r>
+          </a:p>
+          <a:p>
+            <a:r>
+              <a:rPr lang="da-DK" sz="1800" dirty="0" err="1" smtClean="0"/>
+              <a:t>Accuracy</a:t>
+            </a:r>
+            <a:r>
+              <a:rPr lang="da-DK" sz="1800" dirty="0" smtClean="0"/>
+              <a:t>: 00,3%</a:t>
+            </a:r>
+            <a:endParaRPr lang="da-DK" sz="1800" dirty="0"/>
+          </a:p>
+        </p:txBody>
+      </p:sp>
+      <p:sp>
+        <p:nvSpPr>
+          <p:cNvPr id="7" name="TextBox 6"/>
+          <p:cNvSpPr txBox="1"/>
+          <p:nvPr/>
+        </p:nvSpPr>
+        <p:spPr>
+          <a:xfrm>
+            <a:off x="914400" y="4184072"/>
+            <a:ext cx="10547927" cy="1200329"/>
+          </a:xfrm>
+          <a:prstGeom prst="rect">
+            <a:avLst/>
+          </a:prstGeom>
+          <a:noFill/>
+        </p:spPr>
+        <p:txBody>
+          <a:bodyPr wrap="square" rtlCol="0">
+            <a:spAutoFit/>
+          </a:bodyPr>
+          <a:lstStyle/>
+          <a:p>
+            <a:r>
+              <a:rPr lang="da-DK" dirty="0" smtClean="0"/>
+              <a:t>The regression </a:t>
+            </a:r>
+            <a:r>
+              <a:rPr lang="da-DK" dirty="0" err="1" smtClean="0"/>
+              <a:t>approaches</a:t>
+            </a:r>
+            <a:r>
+              <a:rPr lang="da-DK" dirty="0" smtClean="0"/>
+              <a:t> </a:t>
+            </a:r>
+            <a:r>
+              <a:rPr lang="da-DK" dirty="0" err="1" smtClean="0"/>
+              <a:t>clearly</a:t>
+            </a:r>
+            <a:r>
+              <a:rPr lang="da-DK" dirty="0" smtClean="0"/>
+              <a:t> shows that regression is not the right </a:t>
+            </a:r>
+            <a:r>
+              <a:rPr lang="da-DK" dirty="0" err="1" smtClean="0"/>
+              <a:t>way</a:t>
+            </a:r>
+            <a:r>
+              <a:rPr lang="da-DK" dirty="0" smtClean="0"/>
+              <a:t> to </a:t>
+            </a:r>
+            <a:r>
+              <a:rPr lang="da-DK" dirty="0" err="1" smtClean="0"/>
+              <a:t>answer</a:t>
+            </a:r>
+            <a:r>
+              <a:rPr lang="da-DK" dirty="0" smtClean="0"/>
+              <a:t> the </a:t>
+            </a:r>
+            <a:r>
+              <a:rPr lang="da-DK" dirty="0" err="1" smtClean="0"/>
+              <a:t>question</a:t>
+            </a:r>
+            <a:r>
+              <a:rPr lang="da-DK" dirty="0" smtClean="0"/>
+              <a:t>. </a:t>
+            </a:r>
+            <a:r>
+              <a:rPr lang="da-DK" dirty="0" err="1" smtClean="0"/>
+              <a:t>Both</a:t>
+            </a:r>
+            <a:r>
+              <a:rPr lang="da-DK" dirty="0" smtClean="0"/>
+              <a:t> </a:t>
+            </a:r>
+            <a:r>
+              <a:rPr lang="da-DK" dirty="0" err="1" smtClean="0"/>
+              <a:t>algorithms</a:t>
+            </a:r>
+            <a:r>
+              <a:rPr lang="da-DK" dirty="0" smtClean="0"/>
+              <a:t> performs </a:t>
+            </a:r>
+            <a:r>
+              <a:rPr lang="da-DK" dirty="0" err="1" smtClean="0"/>
+              <a:t>very</a:t>
+            </a:r>
+            <a:r>
+              <a:rPr lang="da-DK" dirty="0" smtClean="0"/>
+              <a:t> </a:t>
+            </a:r>
+            <a:r>
+              <a:rPr lang="da-DK" dirty="0" err="1" smtClean="0"/>
+              <a:t>poorly</a:t>
+            </a:r>
+            <a:r>
+              <a:rPr lang="da-DK" dirty="0" smtClean="0"/>
+              <a:t>. </a:t>
+            </a:r>
+            <a:r>
+              <a:rPr lang="da-DK" dirty="0" err="1" smtClean="0"/>
+              <a:t>Both</a:t>
+            </a:r>
+            <a:r>
+              <a:rPr lang="da-DK" dirty="0" smtClean="0"/>
+              <a:t> </a:t>
+            </a:r>
+            <a:r>
+              <a:rPr lang="da-DK" dirty="0" err="1" smtClean="0"/>
+              <a:t>alogorithms</a:t>
+            </a:r>
+            <a:r>
+              <a:rPr lang="da-DK" dirty="0" smtClean="0"/>
+              <a:t> perform faster </a:t>
+            </a:r>
+            <a:r>
+              <a:rPr lang="da-DK" dirty="0" err="1" smtClean="0"/>
+              <a:t>than</a:t>
+            </a:r>
+            <a:r>
+              <a:rPr lang="da-DK" dirty="0" smtClean="0"/>
+              <a:t> the </a:t>
+            </a:r>
+            <a:r>
+              <a:rPr lang="da-DK" dirty="0" err="1" smtClean="0"/>
+              <a:t>classification</a:t>
+            </a:r>
+            <a:r>
+              <a:rPr lang="da-DK" dirty="0" smtClean="0"/>
+              <a:t> </a:t>
+            </a:r>
+            <a:r>
+              <a:rPr lang="da-DK" dirty="0" err="1" smtClean="0"/>
+              <a:t>approaches</a:t>
+            </a:r>
+            <a:r>
+              <a:rPr lang="da-DK" dirty="0" smtClean="0"/>
+              <a:t>.</a:t>
+            </a:r>
+          </a:p>
+          <a:p>
+            <a:endParaRPr lang="da-DK" dirty="0"/>
+          </a:p>
+          <a:p>
+            <a:r>
+              <a:rPr lang="da-DK" dirty="0" smtClean="0"/>
+              <a:t>The </a:t>
+            </a:r>
+            <a:r>
+              <a:rPr lang="da-DK" dirty="0" err="1" smtClean="0"/>
+              <a:t>results</a:t>
+            </a:r>
+            <a:r>
+              <a:rPr lang="da-DK" dirty="0" smtClean="0"/>
+              <a:t> shows that regression is not the right </a:t>
+            </a:r>
+            <a:r>
+              <a:rPr lang="da-DK" dirty="0" err="1" smtClean="0"/>
+              <a:t>way</a:t>
+            </a:r>
+            <a:r>
+              <a:rPr lang="da-DK" dirty="0" smtClean="0"/>
+              <a:t> to </a:t>
+            </a:r>
+            <a:r>
+              <a:rPr lang="da-DK" dirty="0" err="1" smtClean="0"/>
+              <a:t>answer</a:t>
+            </a:r>
+            <a:r>
+              <a:rPr lang="da-DK" dirty="0" smtClean="0"/>
+              <a:t> the </a:t>
+            </a:r>
+            <a:r>
+              <a:rPr lang="da-DK" dirty="0" err="1" smtClean="0"/>
+              <a:t>question</a:t>
+            </a:r>
+            <a:endParaRPr lang="da-DK" dirty="0"/>
+          </a:p>
+        </p:txBody>
+      </p:sp>
+    </p:spTree>
+    <p:extLst>
+      <p:ext uri="{BB962C8B-B14F-4D97-AF65-F5344CB8AC3E}">
+        <p14:creationId xmlns:p14="http://schemas.microsoft.com/office/powerpoint/2010/main" val="2725140260"/>
       </p:ext>
     </p:extLst>
   </p:cSld>
